--- a/NASA_Airathon_Summary_And_Methods.pptx
+++ b/NASA_Airathon_Summary_And_Methods.pptx
@@ -1,9 +1,12 @@
 
 <file path=ppt/presentation.xml><?xml version="1.0" encoding="utf-8"?>
-<p:presentation xmlns:a="http://schemas.openxmlformats.org/drawingml/2006/main" xmlns:r="http://schemas.openxmlformats.org/officeDocument/2006/relationships" xmlns:p="http://schemas.openxmlformats.org/presentationml/2006/main" saveSubsetFonts="1">
+<p:presentation xmlns:a="http://schemas.openxmlformats.org/drawingml/2006/main" xmlns:r="http://schemas.openxmlformats.org/officeDocument/2006/relationships" xmlns:p="http://schemas.openxmlformats.org/presentationml/2006/main" strictFirstAndLastChars="0" embedTrueTypeFonts="1" saveSubsetFonts="1" autoCompressPictures="0">
   <p:sldMasterIdLst>
-    <p:sldMasterId id="2147483660" r:id="rId1"/>
+    <p:sldMasterId id="2147483665" r:id="rId1"/>
   </p:sldMasterIdLst>
+  <p:notesMasterIdLst>
+    <p:notesMasterId r:id="rId6"/>
+  </p:notesMasterIdLst>
   <p:sldIdLst>
     <p:sldId id="256" r:id="rId2"/>
     <p:sldId id="257" r:id="rId3"/>
@@ -12,6 +15,19 @@
   </p:sldIdLst>
   <p:sldSz cx="12192000" cy="6858000"/>
   <p:notesSz cx="6858000" cy="9144000"/>
+  <p:embeddedFontLst>
+    <p:embeddedFont>
+      <p:font typeface="Century Gothic" panose="020B0502020202020204" pitchFamily="34" charset="0"/>
+      <p:regular r:id="rId7"/>
+      <p:bold r:id="rId8"/>
+      <p:italic r:id="rId9"/>
+      <p:boldItalic r:id="rId10"/>
+    </p:embeddedFont>
+    <p:embeddedFont>
+      <p:font typeface="Wingdings 3" panose="05040102010807070707" pitchFamily="18" charset="2"/>
+      <p:regular r:id="rId11"/>
+    </p:embeddedFont>
+  </p:embeddedFontLst>
   <p:defaultTextStyle>
     <a:defPPr>
       <a:defRPr lang="en-US"/>
@@ -107,209 +123,869 @@
       </a:defRPr>
     </a:lvl9pPr>
   </p:defaultTextStyle>
+  <p:extLst>
+    <p:ext uri="http://customooxmlschemas.google.com/">
+      <go:slidesCustomData xmlns:go="http://customooxmlschemas.google.com/" xmlns:ahyp="http://schemas.microsoft.com/office/drawing/2018/hyperlinkcolor" xmlns:p15="http://schemas.microsoft.com/office/powerpoint/2012/main" xmlns:p14="http://schemas.microsoft.com/office/powerpoint/2010/main" xmlns:com="http://schemas.openxmlformats.org/drawingml/2006/compatibility" xmlns:pvml="urn:schemas-microsoft-com:office:powerpoint" xmlns:v="urn:schemas-microsoft-com:vml" xmlns:o="urn:schemas-microsoft-com:office:office" xmlns:dgm="http://schemas.openxmlformats.org/drawingml/2006/diagram" xmlns:c="http://schemas.openxmlformats.org/drawingml/2006/chart" xmlns:mv="urn:schemas-microsoft-com:mac:vml" xmlns:mc="http://schemas.openxmlformats.org/markup-compatibility/2006" xmlns="" r:id="rId13" roundtripDataSignature="AMtx7mhCKbP/loqoisCO8lb7j0xB1njqsA=="/>
+    </p:ext>
+  </p:extLst>
 </p:presentation>
 </file>
 
-<file path=ppt/revisionInfo.xml><?xml version="1.0" encoding="utf-8"?>
-<p1510:revInfo xmlns:a="http://schemas.openxmlformats.org/drawingml/2006/main" xmlns:r="http://schemas.openxmlformats.org/officeDocument/2006/relationships" xmlns:p1510="http://schemas.microsoft.com/office/powerpoint/2015/10/main">
-  <p1510:revLst>
-    <p1510:client id="{417D659D-E74C-470D-8977-AA677C666DDF}" v="19" dt="2022-03-21T06:00:41.662"/>
-  </p1510:revLst>
-</p1510:revInfo>
+<file path=ppt/notesMasters/notesMaster1.xml><?xml version="1.0" encoding="utf-8"?>
+<p:notesMaster xmlns:a="http://schemas.openxmlformats.org/drawingml/2006/main" xmlns:r="http://schemas.openxmlformats.org/officeDocument/2006/relationships" xmlns:p="http://schemas.openxmlformats.org/presentationml/2006/main">
+  <p:cSld>
+    <p:bg>
+      <p:bgRef idx="1001">
+        <a:schemeClr val="bg1"/>
+      </p:bgRef>
+    </p:bg>
+    <p:spTree>
+      <p:nvGrpSpPr>
+        <p:cNvPr id="1" name="Shape 2"/>
+        <p:cNvGrpSpPr/>
+        <p:nvPr/>
+      </p:nvGrpSpPr>
+      <p:grpSpPr>
+        <a:xfrm>
+          <a:off x="0" y="0"/>
+          <a:ext cx="0" cy="0"/>
+          <a:chOff x="0" y="0"/>
+          <a:chExt cx="0" cy="0"/>
+        </a:xfrm>
+      </p:grpSpPr>
+      <p:sp>
+        <p:nvSpPr>
+          <p:cNvPr id="3" name="Google Shape;3;n"/>
+          <p:cNvSpPr>
+            <a:spLocks noGrp="1" noRot="1" noChangeAspect="1"/>
+          </p:cNvSpPr>
+          <p:nvPr>
+            <p:ph type="sldImg" idx="2"/>
+          </p:nvPr>
+        </p:nvSpPr>
+        <p:spPr>
+          <a:xfrm>
+            <a:off x="1143225" y="685800"/>
+            <a:ext cx="4572225" cy="3429000"/>
+          </a:xfrm>
+          <a:custGeom>
+            <a:avLst/>
+            <a:gdLst/>
+            <a:ahLst/>
+            <a:cxnLst/>
+            <a:rect l="l" t="t" r="r" b="b"/>
+            <a:pathLst>
+              <a:path w="120000" h="120000" extrusionOk="0">
+                <a:moveTo>
+                  <a:pt x="0" y="0"/>
+                </a:moveTo>
+                <a:lnTo>
+                  <a:pt x="120000" y="0"/>
+                </a:lnTo>
+                <a:lnTo>
+                  <a:pt x="120000" y="120000"/>
+                </a:lnTo>
+                <a:lnTo>
+                  <a:pt x="0" y="120000"/>
+                </a:lnTo>
+                <a:close/>
+              </a:path>
+            </a:pathLst>
+          </a:custGeom>
+          <a:noFill/>
+          <a:ln w="9525" cap="flat" cmpd="sng">
+            <a:solidFill>
+              <a:srgbClr val="000000"/>
+            </a:solidFill>
+            <a:prstDash val="solid"/>
+            <a:round/>
+            <a:headEnd type="none" w="sm" len="sm"/>
+            <a:tailEnd type="none" w="sm" len="sm"/>
+          </a:ln>
+        </p:spPr>
+      </p:sp>
+      <p:sp>
+        <p:nvSpPr>
+          <p:cNvPr id="4" name="Google Shape;4;n"/>
+          <p:cNvSpPr txBox="1">
+            <a:spLocks noGrp="1"/>
+          </p:cNvSpPr>
+          <p:nvPr>
+            <p:ph type="body" idx="1"/>
+          </p:nvPr>
+        </p:nvSpPr>
+        <p:spPr>
+          <a:xfrm>
+            <a:off x="685800" y="4343400"/>
+            <a:ext cx="5486400" cy="4114800"/>
+          </a:xfrm>
+          <a:prstGeom prst="rect">
+            <a:avLst/>
+          </a:prstGeom>
+          <a:noFill/>
+          <a:ln>
+            <a:noFill/>
+          </a:ln>
+        </p:spPr>
+        <p:txBody>
+          <a:bodyPr spcFirstLastPara="1" wrap="square" lIns="91425" tIns="91425" rIns="91425" bIns="91425" anchor="t" anchorCtr="0">
+            <a:noAutofit/>
+          </a:bodyPr>
+          <a:lstStyle>
+            <a:lvl1pPr marL="457200" lvl="0" indent="-298450">
+              <a:spcBef>
+                <a:spcPts val="0"/>
+              </a:spcBef>
+              <a:spcAft>
+                <a:spcPts val="0"/>
+              </a:spcAft>
+              <a:buSzPts val="1100"/>
+              <a:buChar char="●"/>
+              <a:defRPr sz="1100"/>
+            </a:lvl1pPr>
+            <a:lvl2pPr marL="914400" lvl="1" indent="-298450">
+              <a:spcBef>
+                <a:spcPts val="0"/>
+              </a:spcBef>
+              <a:spcAft>
+                <a:spcPts val="0"/>
+              </a:spcAft>
+              <a:buSzPts val="1100"/>
+              <a:buChar char="○"/>
+              <a:defRPr sz="1100"/>
+            </a:lvl2pPr>
+            <a:lvl3pPr marL="1371600" lvl="2" indent="-298450">
+              <a:spcBef>
+                <a:spcPts val="0"/>
+              </a:spcBef>
+              <a:spcAft>
+                <a:spcPts val="0"/>
+              </a:spcAft>
+              <a:buSzPts val="1100"/>
+              <a:buChar char="■"/>
+              <a:defRPr sz="1100"/>
+            </a:lvl3pPr>
+            <a:lvl4pPr marL="1828800" lvl="3" indent="-298450">
+              <a:spcBef>
+                <a:spcPts val="0"/>
+              </a:spcBef>
+              <a:spcAft>
+                <a:spcPts val="0"/>
+              </a:spcAft>
+              <a:buSzPts val="1100"/>
+              <a:buChar char="●"/>
+              <a:defRPr sz="1100"/>
+            </a:lvl4pPr>
+            <a:lvl5pPr marL="2286000" lvl="4" indent="-298450">
+              <a:spcBef>
+                <a:spcPts val="0"/>
+              </a:spcBef>
+              <a:spcAft>
+                <a:spcPts val="0"/>
+              </a:spcAft>
+              <a:buSzPts val="1100"/>
+              <a:buChar char="○"/>
+              <a:defRPr sz="1100"/>
+            </a:lvl5pPr>
+            <a:lvl6pPr marL="2743200" lvl="5" indent="-298450">
+              <a:spcBef>
+                <a:spcPts val="0"/>
+              </a:spcBef>
+              <a:spcAft>
+                <a:spcPts val="0"/>
+              </a:spcAft>
+              <a:buSzPts val="1100"/>
+              <a:buChar char="■"/>
+              <a:defRPr sz="1100"/>
+            </a:lvl6pPr>
+            <a:lvl7pPr marL="3200400" lvl="6" indent="-298450">
+              <a:spcBef>
+                <a:spcPts val="0"/>
+              </a:spcBef>
+              <a:spcAft>
+                <a:spcPts val="0"/>
+              </a:spcAft>
+              <a:buSzPts val="1100"/>
+              <a:buChar char="●"/>
+              <a:defRPr sz="1100"/>
+            </a:lvl7pPr>
+            <a:lvl8pPr marL="3657600" lvl="7" indent="-298450">
+              <a:spcBef>
+                <a:spcPts val="0"/>
+              </a:spcBef>
+              <a:spcAft>
+                <a:spcPts val="0"/>
+              </a:spcAft>
+              <a:buSzPts val="1100"/>
+              <a:buChar char="○"/>
+              <a:defRPr sz="1100"/>
+            </a:lvl8pPr>
+            <a:lvl9pPr marL="4114800" lvl="8" indent="-298450">
+              <a:spcBef>
+                <a:spcPts val="0"/>
+              </a:spcBef>
+              <a:spcAft>
+                <a:spcPts val="0"/>
+              </a:spcAft>
+              <a:buSzPts val="1100"/>
+              <a:buChar char="■"/>
+              <a:defRPr sz="1100"/>
+            </a:lvl9pPr>
+          </a:lstStyle>
+          <a:p>
+            <a:endParaRPr/>
+          </a:p>
+        </p:txBody>
+      </p:sp>
+    </p:spTree>
+  </p:cSld>
+  <p:clrMap bg1="lt1" tx1="dk1" bg2="dk2" tx2="lt2" accent1="accent1" accent2="accent2" accent3="accent3" accent4="accent4" accent5="accent5" accent6="accent6" hlink="hlink" folHlink="folHlink"/>
+  <p:notesStyle>
+    <a:defPPr marR="0" lvl="0" algn="l" rtl="0">
+      <a:lnSpc>
+        <a:spcPct val="100000"/>
+      </a:lnSpc>
+      <a:spcBef>
+        <a:spcPts val="0"/>
+      </a:spcBef>
+      <a:spcAft>
+        <a:spcPts val="0"/>
+      </a:spcAft>
+    </a:defPPr>
+    <a:lvl1pPr marR="0" lvl="0" algn="l" rtl="0">
+      <a:lnSpc>
+        <a:spcPct val="100000"/>
+      </a:lnSpc>
+      <a:spcBef>
+        <a:spcPts val="0"/>
+      </a:spcBef>
+      <a:spcAft>
+        <a:spcPts val="0"/>
+      </a:spcAft>
+      <a:buClr>
+        <a:srgbClr val="000000"/>
+      </a:buClr>
+      <a:buFont typeface="Arial"/>
+      <a:defRPr sz="1400" b="0" i="0" u="none" strike="noStrike" cap="none">
+        <a:solidFill>
+          <a:srgbClr val="000000"/>
+        </a:solidFill>
+        <a:latin typeface="Arial"/>
+        <a:ea typeface="Arial"/>
+        <a:cs typeface="Arial"/>
+        <a:sym typeface="Arial"/>
+      </a:defRPr>
+    </a:lvl1pPr>
+    <a:lvl2pPr marR="0" lvl="1" algn="l" rtl="0">
+      <a:lnSpc>
+        <a:spcPct val="100000"/>
+      </a:lnSpc>
+      <a:spcBef>
+        <a:spcPts val="0"/>
+      </a:spcBef>
+      <a:spcAft>
+        <a:spcPts val="0"/>
+      </a:spcAft>
+      <a:buClr>
+        <a:srgbClr val="000000"/>
+      </a:buClr>
+      <a:buFont typeface="Arial"/>
+      <a:defRPr sz="1400" b="0" i="0" u="none" strike="noStrike" cap="none">
+        <a:solidFill>
+          <a:srgbClr val="000000"/>
+        </a:solidFill>
+        <a:latin typeface="Arial"/>
+        <a:ea typeface="Arial"/>
+        <a:cs typeface="Arial"/>
+        <a:sym typeface="Arial"/>
+      </a:defRPr>
+    </a:lvl2pPr>
+    <a:lvl3pPr marR="0" lvl="2" algn="l" rtl="0">
+      <a:lnSpc>
+        <a:spcPct val="100000"/>
+      </a:lnSpc>
+      <a:spcBef>
+        <a:spcPts val="0"/>
+      </a:spcBef>
+      <a:spcAft>
+        <a:spcPts val="0"/>
+      </a:spcAft>
+      <a:buClr>
+        <a:srgbClr val="000000"/>
+      </a:buClr>
+      <a:buFont typeface="Arial"/>
+      <a:defRPr sz="1400" b="0" i="0" u="none" strike="noStrike" cap="none">
+        <a:solidFill>
+          <a:srgbClr val="000000"/>
+        </a:solidFill>
+        <a:latin typeface="Arial"/>
+        <a:ea typeface="Arial"/>
+        <a:cs typeface="Arial"/>
+        <a:sym typeface="Arial"/>
+      </a:defRPr>
+    </a:lvl3pPr>
+    <a:lvl4pPr marR="0" lvl="3" algn="l" rtl="0">
+      <a:lnSpc>
+        <a:spcPct val="100000"/>
+      </a:lnSpc>
+      <a:spcBef>
+        <a:spcPts val="0"/>
+      </a:spcBef>
+      <a:spcAft>
+        <a:spcPts val="0"/>
+      </a:spcAft>
+      <a:buClr>
+        <a:srgbClr val="000000"/>
+      </a:buClr>
+      <a:buFont typeface="Arial"/>
+      <a:defRPr sz="1400" b="0" i="0" u="none" strike="noStrike" cap="none">
+        <a:solidFill>
+          <a:srgbClr val="000000"/>
+        </a:solidFill>
+        <a:latin typeface="Arial"/>
+        <a:ea typeface="Arial"/>
+        <a:cs typeface="Arial"/>
+        <a:sym typeface="Arial"/>
+      </a:defRPr>
+    </a:lvl4pPr>
+    <a:lvl5pPr marR="0" lvl="4" algn="l" rtl="0">
+      <a:lnSpc>
+        <a:spcPct val="100000"/>
+      </a:lnSpc>
+      <a:spcBef>
+        <a:spcPts val="0"/>
+      </a:spcBef>
+      <a:spcAft>
+        <a:spcPts val="0"/>
+      </a:spcAft>
+      <a:buClr>
+        <a:srgbClr val="000000"/>
+      </a:buClr>
+      <a:buFont typeface="Arial"/>
+      <a:defRPr sz="1400" b="0" i="0" u="none" strike="noStrike" cap="none">
+        <a:solidFill>
+          <a:srgbClr val="000000"/>
+        </a:solidFill>
+        <a:latin typeface="Arial"/>
+        <a:ea typeface="Arial"/>
+        <a:cs typeface="Arial"/>
+        <a:sym typeface="Arial"/>
+      </a:defRPr>
+    </a:lvl5pPr>
+    <a:lvl6pPr marR="0" lvl="5" algn="l" rtl="0">
+      <a:lnSpc>
+        <a:spcPct val="100000"/>
+      </a:lnSpc>
+      <a:spcBef>
+        <a:spcPts val="0"/>
+      </a:spcBef>
+      <a:spcAft>
+        <a:spcPts val="0"/>
+      </a:spcAft>
+      <a:buClr>
+        <a:srgbClr val="000000"/>
+      </a:buClr>
+      <a:buFont typeface="Arial"/>
+      <a:defRPr sz="1400" b="0" i="0" u="none" strike="noStrike" cap="none">
+        <a:solidFill>
+          <a:srgbClr val="000000"/>
+        </a:solidFill>
+        <a:latin typeface="Arial"/>
+        <a:ea typeface="Arial"/>
+        <a:cs typeface="Arial"/>
+        <a:sym typeface="Arial"/>
+      </a:defRPr>
+    </a:lvl6pPr>
+    <a:lvl7pPr marR="0" lvl="6" algn="l" rtl="0">
+      <a:lnSpc>
+        <a:spcPct val="100000"/>
+      </a:lnSpc>
+      <a:spcBef>
+        <a:spcPts val="0"/>
+      </a:spcBef>
+      <a:spcAft>
+        <a:spcPts val="0"/>
+      </a:spcAft>
+      <a:buClr>
+        <a:srgbClr val="000000"/>
+      </a:buClr>
+      <a:buFont typeface="Arial"/>
+      <a:defRPr sz="1400" b="0" i="0" u="none" strike="noStrike" cap="none">
+        <a:solidFill>
+          <a:srgbClr val="000000"/>
+        </a:solidFill>
+        <a:latin typeface="Arial"/>
+        <a:ea typeface="Arial"/>
+        <a:cs typeface="Arial"/>
+        <a:sym typeface="Arial"/>
+      </a:defRPr>
+    </a:lvl7pPr>
+    <a:lvl8pPr marR="0" lvl="7" algn="l" rtl="0">
+      <a:lnSpc>
+        <a:spcPct val="100000"/>
+      </a:lnSpc>
+      <a:spcBef>
+        <a:spcPts val="0"/>
+      </a:spcBef>
+      <a:spcAft>
+        <a:spcPts val="0"/>
+      </a:spcAft>
+      <a:buClr>
+        <a:srgbClr val="000000"/>
+      </a:buClr>
+      <a:buFont typeface="Arial"/>
+      <a:defRPr sz="1400" b="0" i="0" u="none" strike="noStrike" cap="none">
+        <a:solidFill>
+          <a:srgbClr val="000000"/>
+        </a:solidFill>
+        <a:latin typeface="Arial"/>
+        <a:ea typeface="Arial"/>
+        <a:cs typeface="Arial"/>
+        <a:sym typeface="Arial"/>
+      </a:defRPr>
+    </a:lvl8pPr>
+    <a:lvl9pPr marR="0" lvl="8" algn="l" rtl="0">
+      <a:lnSpc>
+        <a:spcPct val="100000"/>
+      </a:lnSpc>
+      <a:spcBef>
+        <a:spcPts val="0"/>
+      </a:spcBef>
+      <a:spcAft>
+        <a:spcPts val="0"/>
+      </a:spcAft>
+      <a:buClr>
+        <a:srgbClr val="000000"/>
+      </a:buClr>
+      <a:buFont typeface="Arial"/>
+      <a:defRPr sz="1400" b="0" i="0" u="none" strike="noStrike" cap="none">
+        <a:solidFill>
+          <a:srgbClr val="000000"/>
+        </a:solidFill>
+        <a:latin typeface="Arial"/>
+        <a:ea typeface="Arial"/>
+        <a:cs typeface="Arial"/>
+        <a:sym typeface="Arial"/>
+      </a:defRPr>
+    </a:lvl9pPr>
+  </p:notesStyle>
+</p:notesMaster>
 </file>
 
-<file path=ppt/changesInfos/changesInfo1.xml><?xml version="1.0" encoding="utf-8"?>
-<pc:chgInfo xmlns:a="http://schemas.openxmlformats.org/drawingml/2006/main" xmlns:r="http://schemas.openxmlformats.org/officeDocument/2006/relationships" xmlns:ac="http://schemas.microsoft.com/office/drawing/2013/main/command" xmlns:pc="http://schemas.microsoft.com/office/powerpoint/2013/main/command">
-  <pc:docChgLst>
-    <pc:chgData name="Zixiang Loh" userId="01080b46c13b18c1" providerId="LiveId" clId="{417D659D-E74C-470D-8977-AA677C666DDF}"/>
-    <pc:docChg chg="undo redo custSel addSld modSld">
-      <pc:chgData name="Zixiang Loh" userId="01080b46c13b18c1" providerId="LiveId" clId="{417D659D-E74C-470D-8977-AA677C666DDF}" dt="2022-03-21T06:01:21.619" v="3956" actId="20577"/>
-      <pc:docMkLst>
-        <pc:docMk/>
-      </pc:docMkLst>
-      <pc:sldChg chg="modSp mod">
-        <pc:chgData name="Zixiang Loh" userId="01080b46c13b18c1" providerId="LiveId" clId="{417D659D-E74C-470D-8977-AA677C666DDF}" dt="2022-03-21T04:43:16.592" v="208" actId="20577"/>
-        <pc:sldMkLst>
-          <pc:docMk/>
-          <pc:sldMk cId="232184927" sldId="256"/>
-        </pc:sldMkLst>
-        <pc:spChg chg="mod">
-          <ac:chgData name="Zixiang Loh" userId="01080b46c13b18c1" providerId="LiveId" clId="{417D659D-E74C-470D-8977-AA677C666DDF}" dt="2022-03-21T04:43:16.592" v="208" actId="20577"/>
-          <ac:spMkLst>
-            <pc:docMk/>
-            <pc:sldMk cId="232184927" sldId="256"/>
-            <ac:spMk id="3" creationId="{81A091AA-E01E-4D8E-A192-0BBA7FA87974}"/>
-          </ac:spMkLst>
-        </pc:spChg>
-      </pc:sldChg>
-      <pc:sldChg chg="addSp modSp mod">
-        <pc:chgData name="Zixiang Loh" userId="01080b46c13b18c1" providerId="LiveId" clId="{417D659D-E74C-470D-8977-AA677C666DDF}" dt="2022-03-21T05:57:50.510" v="3703" actId="57"/>
-        <pc:sldMkLst>
-          <pc:docMk/>
-          <pc:sldMk cId="2496069828" sldId="257"/>
-        </pc:sldMkLst>
-        <pc:spChg chg="mod">
-          <ac:chgData name="Zixiang Loh" userId="01080b46c13b18c1" providerId="LiveId" clId="{417D659D-E74C-470D-8977-AA677C666DDF}" dt="2022-03-21T04:44:41.918" v="297" actId="20577"/>
-          <ac:spMkLst>
-            <pc:docMk/>
-            <pc:sldMk cId="2496069828" sldId="257"/>
-            <ac:spMk id="3" creationId="{78BDCD3A-CB6E-449A-8C85-387C180E7EFE}"/>
-          </ac:spMkLst>
-        </pc:spChg>
-        <pc:spChg chg="add mod">
-          <ac:chgData name="Zixiang Loh" userId="01080b46c13b18c1" providerId="LiveId" clId="{417D659D-E74C-470D-8977-AA677C666DDF}" dt="2022-03-21T05:57:50.510" v="3703" actId="57"/>
-          <ac:spMkLst>
-            <pc:docMk/>
-            <pc:sldMk cId="2496069828" sldId="257"/>
-            <ac:spMk id="6" creationId="{8F095FC9-D7AD-4D8A-8EBC-C701DBEB14FD}"/>
-          </ac:spMkLst>
-        </pc:spChg>
-      </pc:sldChg>
-      <pc:sldChg chg="modSp new mod">
-        <pc:chgData name="Zixiang Loh" userId="01080b46c13b18c1" providerId="LiveId" clId="{417D659D-E74C-470D-8977-AA677C666DDF}" dt="2022-03-21T05:47:16.704" v="2480" actId="20577"/>
-        <pc:sldMkLst>
-          <pc:docMk/>
-          <pc:sldMk cId="1320143830" sldId="258"/>
-        </pc:sldMkLst>
-        <pc:spChg chg="mod">
-          <ac:chgData name="Zixiang Loh" userId="01080b46c13b18c1" providerId="LiveId" clId="{417D659D-E74C-470D-8977-AA677C666DDF}" dt="2022-03-21T04:46:32.084" v="397" actId="20577"/>
-          <ac:spMkLst>
-            <pc:docMk/>
-            <pc:sldMk cId="1320143830" sldId="258"/>
-            <ac:spMk id="2" creationId="{49DB4143-EBD9-44A5-A8A5-99737BA89DE1}"/>
-          </ac:spMkLst>
-        </pc:spChg>
-        <pc:spChg chg="mod">
-          <ac:chgData name="Zixiang Loh" userId="01080b46c13b18c1" providerId="LiveId" clId="{417D659D-E74C-470D-8977-AA677C666DDF}" dt="2022-03-21T05:47:16.704" v="2480" actId="20577"/>
-          <ac:spMkLst>
-            <pc:docMk/>
-            <pc:sldMk cId="1320143830" sldId="258"/>
-            <ac:spMk id="3" creationId="{67B14D90-6157-4726-A4F8-FC31B1C5CEB5}"/>
-          </ac:spMkLst>
-        </pc:spChg>
-      </pc:sldChg>
-      <pc:sldChg chg="addSp delSp modSp add mod">
-        <pc:chgData name="Zixiang Loh" userId="01080b46c13b18c1" providerId="LiveId" clId="{417D659D-E74C-470D-8977-AA677C666DDF}" dt="2022-03-21T06:01:21.619" v="3956" actId="20577"/>
-        <pc:sldMkLst>
-          <pc:docMk/>
-          <pc:sldMk cId="2912780986" sldId="259"/>
-        </pc:sldMkLst>
-        <pc:spChg chg="mod">
-          <ac:chgData name="Zixiang Loh" userId="01080b46c13b18c1" providerId="LiveId" clId="{417D659D-E74C-470D-8977-AA677C666DDF}" dt="2022-03-21T05:03:58.181" v="2375" actId="20577"/>
-          <ac:spMkLst>
-            <pc:docMk/>
-            <pc:sldMk cId="2912780986" sldId="259"/>
-            <ac:spMk id="2" creationId="{49DB4143-EBD9-44A5-A8A5-99737BA89DE1}"/>
-          </ac:spMkLst>
-        </pc:spChg>
-        <pc:spChg chg="mod">
-          <ac:chgData name="Zixiang Loh" userId="01080b46c13b18c1" providerId="LiveId" clId="{417D659D-E74C-470D-8977-AA677C666DDF}" dt="2022-03-21T05:59:40.882" v="3772" actId="20577"/>
-          <ac:spMkLst>
-            <pc:docMk/>
-            <pc:sldMk cId="2912780986" sldId="259"/>
-            <ac:spMk id="3" creationId="{67B14D90-6157-4726-A4F8-FC31B1C5CEB5}"/>
-          </ac:spMkLst>
-        </pc:spChg>
-        <pc:spChg chg="add del mod">
-          <ac:chgData name="Zixiang Loh" userId="01080b46c13b18c1" providerId="LiveId" clId="{417D659D-E74C-470D-8977-AA677C666DDF}" dt="2022-03-21T05:57:14.275" v="3627"/>
-          <ac:spMkLst>
-            <pc:docMk/>
-            <pc:sldMk cId="2912780986" sldId="259"/>
-            <ac:spMk id="13" creationId="{08613031-8F6A-4342-9382-734A23A51452}"/>
-          </ac:spMkLst>
-        </pc:spChg>
-        <pc:spChg chg="add mod">
-          <ac:chgData name="Zixiang Loh" userId="01080b46c13b18c1" providerId="LiveId" clId="{417D659D-E74C-470D-8977-AA677C666DDF}" dt="2022-03-21T05:57:37.673" v="3700" actId="122"/>
-          <ac:spMkLst>
-            <pc:docMk/>
-            <pc:sldMk cId="2912780986" sldId="259"/>
-            <ac:spMk id="14" creationId="{6CDA0C0D-8DD8-4EC2-84D3-FA03E117A67C}"/>
-          </ac:spMkLst>
-        </pc:spChg>
-        <pc:spChg chg="add mod">
-          <ac:chgData name="Zixiang Loh" userId="01080b46c13b18c1" providerId="LiveId" clId="{417D659D-E74C-470D-8977-AA677C666DDF}" dt="2022-03-21T05:58:51.548" v="3738" actId="20577"/>
-          <ac:spMkLst>
-            <pc:docMk/>
-            <pc:sldMk cId="2912780986" sldId="259"/>
-            <ac:spMk id="15" creationId="{5EB77EF2-4832-40A1-AC8D-F6645D04142A}"/>
-          </ac:spMkLst>
-        </pc:spChg>
-        <pc:spChg chg="add mod">
-          <ac:chgData name="Zixiang Loh" userId="01080b46c13b18c1" providerId="LiveId" clId="{417D659D-E74C-470D-8977-AA677C666DDF}" dt="2022-03-21T05:58:57.930" v="3741" actId="207"/>
-          <ac:spMkLst>
-            <pc:docMk/>
-            <pc:sldMk cId="2912780986" sldId="259"/>
-            <ac:spMk id="16" creationId="{166CA31B-07F8-45DF-9183-C5F0571EAC35}"/>
-          </ac:spMkLst>
-        </pc:spChg>
-        <pc:spChg chg="add mod">
-          <ac:chgData name="Zixiang Loh" userId="01080b46c13b18c1" providerId="LiveId" clId="{417D659D-E74C-470D-8977-AA677C666DDF}" dt="2022-03-21T05:59:30.277" v="3754" actId="1076"/>
-          <ac:spMkLst>
-            <pc:docMk/>
-            <pc:sldMk cId="2912780986" sldId="259"/>
-            <ac:spMk id="17" creationId="{C1160D9B-B32E-4896-BDC6-725D661801CC}"/>
-          </ac:spMkLst>
-        </pc:spChg>
-        <pc:spChg chg="add mod">
-          <ac:chgData name="Zixiang Loh" userId="01080b46c13b18c1" providerId="LiveId" clId="{417D659D-E74C-470D-8977-AA677C666DDF}" dt="2022-03-21T06:01:21.619" v="3956" actId="20577"/>
-          <ac:spMkLst>
-            <pc:docMk/>
-            <pc:sldMk cId="2912780986" sldId="259"/>
-            <ac:spMk id="20" creationId="{43B734A2-3B9C-4AEF-8361-B3663D5D91E5}"/>
-          </ac:spMkLst>
-        </pc:spChg>
-        <pc:picChg chg="add mod">
-          <ac:chgData name="Zixiang Loh" userId="01080b46c13b18c1" providerId="LiveId" clId="{417D659D-E74C-470D-8977-AA677C666DDF}" dt="2022-03-21T05:57:09.606" v="3625" actId="1076"/>
-          <ac:picMkLst>
-            <pc:docMk/>
-            <pc:sldMk cId="2912780986" sldId="259"/>
-            <ac:picMk id="5" creationId="{8535FEB1-BC38-489E-995F-04261BA87E60}"/>
-          </ac:picMkLst>
-        </pc:picChg>
-        <pc:picChg chg="add mod">
-          <ac:chgData name="Zixiang Loh" userId="01080b46c13b18c1" providerId="LiveId" clId="{417D659D-E74C-470D-8977-AA677C666DDF}" dt="2022-03-21T05:56:11.550" v="3611" actId="1076"/>
-          <ac:picMkLst>
-            <pc:docMk/>
-            <pc:sldMk cId="2912780986" sldId="259"/>
-            <ac:picMk id="7" creationId="{09466907-8771-44BF-89C1-06144632E12D}"/>
-          </ac:picMkLst>
-        </pc:picChg>
-        <pc:picChg chg="add mod">
-          <ac:chgData name="Zixiang Loh" userId="01080b46c13b18c1" providerId="LiveId" clId="{417D659D-E74C-470D-8977-AA677C666DDF}" dt="2022-03-21T06:00:39.316" v="3775" actId="14100"/>
-          <ac:picMkLst>
-            <pc:docMk/>
-            <pc:sldMk cId="2912780986" sldId="259"/>
-            <ac:picMk id="19" creationId="{89CBF0FD-C4E3-4791-AB75-45C69C041373}"/>
-          </ac:picMkLst>
-        </pc:picChg>
-        <pc:cxnChg chg="add mod">
-          <ac:chgData name="Zixiang Loh" userId="01080b46c13b18c1" providerId="LiveId" clId="{417D659D-E74C-470D-8977-AA677C666DDF}" dt="2022-03-21T05:58:11.910" v="3714" actId="208"/>
-          <ac:cxnSpMkLst>
-            <pc:docMk/>
-            <pc:sldMk cId="2912780986" sldId="259"/>
-            <ac:cxnSpMk id="9" creationId="{8532B77E-CFE6-478A-8201-BA8E3102C0C4}"/>
-          </ac:cxnSpMkLst>
-        </pc:cxnChg>
-        <pc:cxnChg chg="add mod">
-          <ac:chgData name="Zixiang Loh" userId="01080b46c13b18c1" providerId="LiveId" clId="{417D659D-E74C-470D-8977-AA677C666DDF}" dt="2022-03-21T05:59:00.926" v="3742" actId="208"/>
-          <ac:cxnSpMkLst>
-            <pc:docMk/>
-            <pc:sldMk cId="2912780986" sldId="259"/>
-            <ac:cxnSpMk id="11" creationId="{CB411968-8C79-4695-AA2A-01EB77DB759B}"/>
-          </ac:cxnSpMkLst>
-        </pc:cxnChg>
-        <pc:cxnChg chg="add mod">
-          <ac:chgData name="Zixiang Loh" userId="01080b46c13b18c1" providerId="LiveId" clId="{417D659D-E74C-470D-8977-AA677C666DDF}" dt="2022-03-21T05:59:18.894" v="3753" actId="208"/>
-          <ac:cxnSpMkLst>
-            <pc:docMk/>
-            <pc:sldMk cId="2912780986" sldId="259"/>
-            <ac:cxnSpMk id="12" creationId="{763C194A-1559-481B-8E11-5DB3E6DA79E8}"/>
-          </ac:cxnSpMkLst>
-        </pc:cxnChg>
-      </pc:sldChg>
-    </pc:docChg>
-  </pc:docChgLst>
-</pc:chgInfo>
+<file path=ppt/notesSlides/notesSlide1.xml><?xml version="1.0" encoding="utf-8"?>
+<p:notes xmlns:a="http://schemas.openxmlformats.org/drawingml/2006/main" xmlns:r="http://schemas.openxmlformats.org/officeDocument/2006/relationships" xmlns:p="http://schemas.openxmlformats.org/presentationml/2006/main" showMasterSp="0" showMasterPhAnim="0">
+  <p:cSld>
+    <p:spTree>
+      <p:nvGrpSpPr>
+        <p:cNvPr id="1" name="Shape 160"/>
+        <p:cNvGrpSpPr/>
+        <p:nvPr/>
+      </p:nvGrpSpPr>
+      <p:grpSpPr>
+        <a:xfrm>
+          <a:off x="0" y="0"/>
+          <a:ext cx="0" cy="0"/>
+          <a:chOff x="0" y="0"/>
+          <a:chExt cx="0" cy="0"/>
+        </a:xfrm>
+      </p:grpSpPr>
+      <p:sp>
+        <p:nvSpPr>
+          <p:cNvPr id="161" name="Google Shape;161;p1:notes"/>
+          <p:cNvSpPr txBox="1">
+            <a:spLocks noGrp="1"/>
+          </p:cNvSpPr>
+          <p:nvPr>
+            <p:ph type="body" idx="1"/>
+          </p:nvPr>
+        </p:nvSpPr>
+        <p:spPr>
+          <a:xfrm>
+            <a:off x="685800" y="4343400"/>
+            <a:ext cx="5486400" cy="4114800"/>
+          </a:xfrm>
+          <a:prstGeom prst="rect">
+            <a:avLst/>
+          </a:prstGeom>
+        </p:spPr>
+        <p:txBody>
+          <a:bodyPr spcFirstLastPara="1" wrap="square" lIns="91425" tIns="91425" rIns="91425" bIns="91425" anchor="t" anchorCtr="0">
+            <a:noAutofit/>
+          </a:bodyPr>
+          <a:lstStyle/>
+          <a:p>
+            <a:pPr marL="0" lvl="0" indent="0" algn="l" rtl="0">
+              <a:spcBef>
+                <a:spcPts val="0"/>
+              </a:spcBef>
+              <a:spcAft>
+                <a:spcPts val="0"/>
+              </a:spcAft>
+              <a:buNone/>
+            </a:pPr>
+            <a:endParaRPr/>
+          </a:p>
+        </p:txBody>
+      </p:sp>
+      <p:sp>
+        <p:nvSpPr>
+          <p:cNvPr id="162" name="Google Shape;162;p1:notes"/>
+          <p:cNvSpPr>
+            <a:spLocks noGrp="1" noRot="1" noChangeAspect="1"/>
+          </p:cNvSpPr>
+          <p:nvPr>
+            <p:ph type="sldImg" idx="2"/>
+          </p:nvPr>
+        </p:nvSpPr>
+        <p:spPr>
+          <a:xfrm>
+            <a:off x="381000" y="685800"/>
+            <a:ext cx="6096000" cy="3429000"/>
+          </a:xfrm>
+          <a:custGeom>
+            <a:avLst/>
+            <a:gdLst/>
+            <a:ahLst/>
+            <a:cxnLst/>
+            <a:rect l="l" t="t" r="r" b="b"/>
+            <a:pathLst>
+              <a:path w="120000" h="120000" extrusionOk="0">
+                <a:moveTo>
+                  <a:pt x="0" y="0"/>
+                </a:moveTo>
+                <a:lnTo>
+                  <a:pt x="120000" y="0"/>
+                </a:lnTo>
+                <a:lnTo>
+                  <a:pt x="120000" y="120000"/>
+                </a:lnTo>
+                <a:lnTo>
+                  <a:pt x="0" y="120000"/>
+                </a:lnTo>
+                <a:close/>
+              </a:path>
+            </a:pathLst>
+          </a:custGeom>
+        </p:spPr>
+      </p:sp>
+    </p:spTree>
+  </p:cSld>
+  <p:clrMapOvr>
+    <a:masterClrMapping/>
+  </p:clrMapOvr>
+</p:notes>
+</file>
+
+<file path=ppt/notesSlides/notesSlide2.xml><?xml version="1.0" encoding="utf-8"?>
+<p:notes xmlns:a="http://schemas.openxmlformats.org/drawingml/2006/main" xmlns:r="http://schemas.openxmlformats.org/officeDocument/2006/relationships" xmlns:p="http://schemas.openxmlformats.org/presentationml/2006/main" showMasterSp="0" showMasterPhAnim="0">
+  <p:cSld>
+    <p:spTree>
+      <p:nvGrpSpPr>
+        <p:cNvPr id="1" name="Shape 166"/>
+        <p:cNvGrpSpPr/>
+        <p:nvPr/>
+      </p:nvGrpSpPr>
+      <p:grpSpPr>
+        <a:xfrm>
+          <a:off x="0" y="0"/>
+          <a:ext cx="0" cy="0"/>
+          <a:chOff x="0" y="0"/>
+          <a:chExt cx="0" cy="0"/>
+        </a:xfrm>
+      </p:grpSpPr>
+      <p:sp>
+        <p:nvSpPr>
+          <p:cNvPr id="167" name="Google Shape;167;p2:notes"/>
+          <p:cNvSpPr txBox="1">
+            <a:spLocks noGrp="1"/>
+          </p:cNvSpPr>
+          <p:nvPr>
+            <p:ph type="body" idx="1"/>
+          </p:nvPr>
+        </p:nvSpPr>
+        <p:spPr>
+          <a:xfrm>
+            <a:off x="685800" y="4343400"/>
+            <a:ext cx="5486400" cy="4114800"/>
+          </a:xfrm>
+          <a:prstGeom prst="rect">
+            <a:avLst/>
+          </a:prstGeom>
+        </p:spPr>
+        <p:txBody>
+          <a:bodyPr spcFirstLastPara="1" wrap="square" lIns="91425" tIns="91425" rIns="91425" bIns="91425" anchor="t" anchorCtr="0">
+            <a:noAutofit/>
+          </a:bodyPr>
+          <a:lstStyle/>
+          <a:p>
+            <a:pPr marL="0" lvl="0" indent="0" algn="l" rtl="0">
+              <a:spcBef>
+                <a:spcPts val="0"/>
+              </a:spcBef>
+              <a:spcAft>
+                <a:spcPts val="0"/>
+              </a:spcAft>
+              <a:buNone/>
+            </a:pPr>
+            <a:endParaRPr/>
+          </a:p>
+        </p:txBody>
+      </p:sp>
+      <p:sp>
+        <p:nvSpPr>
+          <p:cNvPr id="168" name="Google Shape;168;p2:notes"/>
+          <p:cNvSpPr>
+            <a:spLocks noGrp="1" noRot="1" noChangeAspect="1"/>
+          </p:cNvSpPr>
+          <p:nvPr>
+            <p:ph type="sldImg" idx="2"/>
+          </p:nvPr>
+        </p:nvSpPr>
+        <p:spPr>
+          <a:xfrm>
+            <a:off x="381000" y="685800"/>
+            <a:ext cx="6096000" cy="3429000"/>
+          </a:xfrm>
+          <a:custGeom>
+            <a:avLst/>
+            <a:gdLst/>
+            <a:ahLst/>
+            <a:cxnLst/>
+            <a:rect l="l" t="t" r="r" b="b"/>
+            <a:pathLst>
+              <a:path w="120000" h="120000" extrusionOk="0">
+                <a:moveTo>
+                  <a:pt x="0" y="0"/>
+                </a:moveTo>
+                <a:lnTo>
+                  <a:pt x="120000" y="0"/>
+                </a:lnTo>
+                <a:lnTo>
+                  <a:pt x="120000" y="120000"/>
+                </a:lnTo>
+                <a:lnTo>
+                  <a:pt x="0" y="120000"/>
+                </a:lnTo>
+                <a:close/>
+              </a:path>
+            </a:pathLst>
+          </a:custGeom>
+        </p:spPr>
+      </p:sp>
+    </p:spTree>
+  </p:cSld>
+  <p:clrMapOvr>
+    <a:masterClrMapping/>
+  </p:clrMapOvr>
+</p:notes>
+</file>
+
+<file path=ppt/notesSlides/notesSlide3.xml><?xml version="1.0" encoding="utf-8"?>
+<p:notes xmlns:a="http://schemas.openxmlformats.org/drawingml/2006/main" xmlns:r="http://schemas.openxmlformats.org/officeDocument/2006/relationships" xmlns:p="http://schemas.openxmlformats.org/presentationml/2006/main" showMasterSp="0" showMasterPhAnim="0">
+  <p:cSld>
+    <p:spTree>
+      <p:nvGrpSpPr>
+        <p:cNvPr id="1" name="Shape 176"/>
+        <p:cNvGrpSpPr/>
+        <p:nvPr/>
+      </p:nvGrpSpPr>
+      <p:grpSpPr>
+        <a:xfrm>
+          <a:off x="0" y="0"/>
+          <a:ext cx="0" cy="0"/>
+          <a:chOff x="0" y="0"/>
+          <a:chExt cx="0" cy="0"/>
+        </a:xfrm>
+      </p:grpSpPr>
+      <p:sp>
+        <p:nvSpPr>
+          <p:cNvPr id="177" name="Google Shape;177;p3:notes"/>
+          <p:cNvSpPr txBox="1">
+            <a:spLocks noGrp="1"/>
+          </p:cNvSpPr>
+          <p:nvPr>
+            <p:ph type="body" idx="1"/>
+          </p:nvPr>
+        </p:nvSpPr>
+        <p:spPr>
+          <a:xfrm>
+            <a:off x="685800" y="4343400"/>
+            <a:ext cx="5486400" cy="4114800"/>
+          </a:xfrm>
+          <a:prstGeom prst="rect">
+            <a:avLst/>
+          </a:prstGeom>
+        </p:spPr>
+        <p:txBody>
+          <a:bodyPr spcFirstLastPara="1" wrap="square" lIns="91425" tIns="91425" rIns="91425" bIns="91425" anchor="t" anchorCtr="0">
+            <a:noAutofit/>
+          </a:bodyPr>
+          <a:lstStyle/>
+          <a:p>
+            <a:pPr marL="0" lvl="0" indent="0" algn="l" rtl="0">
+              <a:spcBef>
+                <a:spcPts val="0"/>
+              </a:spcBef>
+              <a:spcAft>
+                <a:spcPts val="0"/>
+              </a:spcAft>
+              <a:buNone/>
+            </a:pPr>
+            <a:endParaRPr/>
+          </a:p>
+        </p:txBody>
+      </p:sp>
+      <p:sp>
+        <p:nvSpPr>
+          <p:cNvPr id="178" name="Google Shape;178;p3:notes"/>
+          <p:cNvSpPr>
+            <a:spLocks noGrp="1" noRot="1" noChangeAspect="1"/>
+          </p:cNvSpPr>
+          <p:nvPr>
+            <p:ph type="sldImg" idx="2"/>
+          </p:nvPr>
+        </p:nvSpPr>
+        <p:spPr>
+          <a:xfrm>
+            <a:off x="381000" y="685800"/>
+            <a:ext cx="6096000" cy="3429000"/>
+          </a:xfrm>
+          <a:custGeom>
+            <a:avLst/>
+            <a:gdLst/>
+            <a:ahLst/>
+            <a:cxnLst/>
+            <a:rect l="l" t="t" r="r" b="b"/>
+            <a:pathLst>
+              <a:path w="120000" h="120000" extrusionOk="0">
+                <a:moveTo>
+                  <a:pt x="0" y="0"/>
+                </a:moveTo>
+                <a:lnTo>
+                  <a:pt x="120000" y="0"/>
+                </a:lnTo>
+                <a:lnTo>
+                  <a:pt x="120000" y="120000"/>
+                </a:lnTo>
+                <a:lnTo>
+                  <a:pt x="0" y="120000"/>
+                </a:lnTo>
+                <a:close/>
+              </a:path>
+            </a:pathLst>
+          </a:custGeom>
+        </p:spPr>
+      </p:sp>
+    </p:spTree>
+  </p:cSld>
+  <p:clrMapOvr>
+    <a:masterClrMapping/>
+  </p:clrMapOvr>
+</p:notes>
+</file>
+
+<file path=ppt/notesSlides/notesSlide4.xml><?xml version="1.0" encoding="utf-8"?>
+<p:notes xmlns:a="http://schemas.openxmlformats.org/drawingml/2006/main" xmlns:r="http://schemas.openxmlformats.org/officeDocument/2006/relationships" xmlns:p="http://schemas.openxmlformats.org/presentationml/2006/main" showMasterSp="0" showMasterPhAnim="0">
+  <p:cSld>
+    <p:spTree>
+      <p:nvGrpSpPr>
+        <p:cNvPr id="1" name="Shape 182"/>
+        <p:cNvGrpSpPr/>
+        <p:nvPr/>
+      </p:nvGrpSpPr>
+      <p:grpSpPr>
+        <a:xfrm>
+          <a:off x="0" y="0"/>
+          <a:ext cx="0" cy="0"/>
+          <a:chOff x="0" y="0"/>
+          <a:chExt cx="0" cy="0"/>
+        </a:xfrm>
+      </p:grpSpPr>
+      <p:sp>
+        <p:nvSpPr>
+          <p:cNvPr id="183" name="Google Shape;183;p4:notes"/>
+          <p:cNvSpPr txBox="1">
+            <a:spLocks noGrp="1"/>
+          </p:cNvSpPr>
+          <p:nvPr>
+            <p:ph type="body" idx="1"/>
+          </p:nvPr>
+        </p:nvSpPr>
+        <p:spPr>
+          <a:xfrm>
+            <a:off x="685800" y="4343400"/>
+            <a:ext cx="5486400" cy="4114800"/>
+          </a:xfrm>
+          <a:prstGeom prst="rect">
+            <a:avLst/>
+          </a:prstGeom>
+        </p:spPr>
+        <p:txBody>
+          <a:bodyPr spcFirstLastPara="1" wrap="square" lIns="91425" tIns="91425" rIns="91425" bIns="91425" anchor="t" anchorCtr="0">
+            <a:noAutofit/>
+          </a:bodyPr>
+          <a:lstStyle/>
+          <a:p>
+            <a:pPr marL="0" lvl="0" indent="0" algn="l" rtl="0">
+              <a:spcBef>
+                <a:spcPts val="0"/>
+              </a:spcBef>
+              <a:spcAft>
+                <a:spcPts val="0"/>
+              </a:spcAft>
+              <a:buNone/>
+            </a:pPr>
+            <a:endParaRPr/>
+          </a:p>
+        </p:txBody>
+      </p:sp>
+      <p:sp>
+        <p:nvSpPr>
+          <p:cNvPr id="184" name="Google Shape;184;p4:notes"/>
+          <p:cNvSpPr>
+            <a:spLocks noGrp="1" noRot="1" noChangeAspect="1"/>
+          </p:cNvSpPr>
+          <p:nvPr>
+            <p:ph type="sldImg" idx="2"/>
+          </p:nvPr>
+        </p:nvSpPr>
+        <p:spPr>
+          <a:xfrm>
+            <a:off x="381000" y="685800"/>
+            <a:ext cx="6096000" cy="3429000"/>
+          </a:xfrm>
+          <a:custGeom>
+            <a:avLst/>
+            <a:gdLst/>
+            <a:ahLst/>
+            <a:cxnLst/>
+            <a:rect l="l" t="t" r="r" b="b"/>
+            <a:pathLst>
+              <a:path w="120000" h="120000" extrusionOk="0">
+                <a:moveTo>
+                  <a:pt x="0" y="0"/>
+                </a:moveTo>
+                <a:lnTo>
+                  <a:pt x="120000" y="0"/>
+                </a:lnTo>
+                <a:lnTo>
+                  <a:pt x="120000" y="120000"/>
+                </a:lnTo>
+                <a:lnTo>
+                  <a:pt x="0" y="120000"/>
+                </a:lnTo>
+                <a:close/>
+              </a:path>
+            </a:pathLst>
+          </a:custGeom>
+        </p:spPr>
+      </p:sp>
+    </p:spTree>
+  </p:cSld>
+  <p:clrMapOvr>
+    <a:masterClrMapping/>
+  </p:clrMapOvr>
+</p:notes>
 </file>
 
 <file path=ppt/slideLayouts/slideLayout1.xml><?xml version="1.0" encoding="utf-8"?>
@@ -498,10 +1174,6 @@
           <a:bodyPr/>
           <a:lstStyle/>
           <a:p>
-            <a:fld id="{451A116C-1093-49D2-BFA1-3C0F25593396}" type="datetimeFigureOut">
-              <a:rPr lang="en-US" smtClean="0"/>
-              <a:t>3/20/2022</a:t>
-            </a:fld>
             <a:endParaRPr lang="en-US"/>
           </a:p>
         </p:txBody>
@@ -627,7 +1299,16 @@
           <a:bodyPr/>
           <a:lstStyle/>
           <a:p>
-            <a:fld id="{81D1DCC2-1B59-4E7F-ACE6-AD13E9837A5A}" type="slidenum">
+            <a:pPr marL="0" lvl="0" indent="0" algn="r" rtl="0">
+              <a:spcBef>
+                <a:spcPts val="0"/>
+              </a:spcBef>
+              <a:spcAft>
+                <a:spcPts val="0"/>
+              </a:spcAft>
+              <a:buNone/>
+            </a:pPr>
+            <a:fld id="{00000000-1234-1234-1234-123412341234}" type="slidenum">
               <a:rPr lang="en-US" smtClean="0"/>
               <a:t>‹#›</a:t>
             </a:fld>
@@ -638,7 +1319,7 @@
     </p:spTree>
     <p:extLst>
       <p:ext uri="{BB962C8B-B14F-4D97-AF65-F5344CB8AC3E}">
-        <p14:creationId xmlns:p14="http://schemas.microsoft.com/office/powerpoint/2010/main" val="2878546724"/>
+        <p14:creationId xmlns:p14="http://schemas.microsoft.com/office/powerpoint/2010/main" val="1221010505"/>
       </p:ext>
     </p:extLst>
   </p:cSld>
@@ -836,10 +1517,6 @@
           <a:bodyPr/>
           <a:lstStyle/>
           <a:p>
-            <a:fld id="{451A116C-1093-49D2-BFA1-3C0F25593396}" type="datetimeFigureOut">
-              <a:rPr lang="en-US" smtClean="0"/>
-              <a:t>3/20/2022</a:t>
-            </a:fld>
             <a:endParaRPr lang="en-US"/>
           </a:p>
         </p:txBody>
@@ -965,7 +1642,16 @@
           <a:bodyPr/>
           <a:lstStyle/>
           <a:p>
-            <a:fld id="{81D1DCC2-1B59-4E7F-ACE6-AD13E9837A5A}" type="slidenum">
+            <a:pPr marL="0" lvl="0" indent="0" algn="r" rtl="0">
+              <a:spcBef>
+                <a:spcPts val="0"/>
+              </a:spcBef>
+              <a:spcAft>
+                <a:spcPts val="0"/>
+              </a:spcAft>
+              <a:buNone/>
+            </a:pPr>
+            <a:fld id="{00000000-1234-1234-1234-123412341234}" type="slidenum">
               <a:rPr lang="en-US" smtClean="0"/>
               <a:t>‹#›</a:t>
             </a:fld>
@@ -976,7 +1662,7 @@
     </p:spTree>
     <p:extLst>
       <p:ext uri="{BB962C8B-B14F-4D97-AF65-F5344CB8AC3E}">
-        <p14:creationId xmlns:p14="http://schemas.microsoft.com/office/powerpoint/2010/main" val="2109796083"/>
+        <p14:creationId xmlns:p14="http://schemas.microsoft.com/office/powerpoint/2010/main" val="2951328342"/>
       </p:ext>
     </p:extLst>
   </p:cSld>
@@ -1237,10 +1923,6 @@
           <a:bodyPr/>
           <a:lstStyle/>
           <a:p>
-            <a:fld id="{451A116C-1093-49D2-BFA1-3C0F25593396}" type="datetimeFigureOut">
-              <a:rPr lang="en-US" smtClean="0"/>
-              <a:t>3/20/2022</a:t>
-            </a:fld>
             <a:endParaRPr lang="en-US"/>
           </a:p>
         </p:txBody>
@@ -1366,7 +2048,16 @@
           <a:bodyPr/>
           <a:lstStyle/>
           <a:p>
-            <a:fld id="{81D1DCC2-1B59-4E7F-ACE6-AD13E9837A5A}" type="slidenum">
+            <a:pPr marL="0" lvl="0" indent="0" algn="r" rtl="0">
+              <a:spcBef>
+                <a:spcPts val="0"/>
+              </a:spcBef>
+              <a:spcAft>
+                <a:spcPts val="0"/>
+              </a:spcAft>
+              <a:buNone/>
+            </a:pPr>
+            <a:fld id="{00000000-1234-1234-1234-123412341234}" type="slidenum">
               <a:rPr lang="en-US" smtClean="0"/>
               <a:t>‹#›</a:t>
             </a:fld>
@@ -1453,13 +2144,14 @@
     </p:spTree>
     <p:extLst>
       <p:ext uri="{BB962C8B-B14F-4D97-AF65-F5344CB8AC3E}">
-        <p14:creationId xmlns:p14="http://schemas.microsoft.com/office/powerpoint/2010/main" val="3083891484"/>
+        <p14:creationId xmlns:p14="http://schemas.microsoft.com/office/powerpoint/2010/main" val="2653198729"/>
       </p:ext>
     </p:extLst>
   </p:cSld>
   <p:clrMapOvr>
     <a:masterClrMapping/>
   </p:clrMapOvr>
+  <p:hf sldNum="0" hdr="0" ftr="0" dt="0"/>
 </p:sldLayout>
 </file>
 
@@ -1573,10 +2265,6 @@
           <a:bodyPr/>
           <a:lstStyle/>
           <a:p>
-            <a:fld id="{451A116C-1093-49D2-BFA1-3C0F25593396}" type="datetimeFigureOut">
-              <a:rPr lang="en-US" smtClean="0"/>
-              <a:t>3/20/2022</a:t>
-            </a:fld>
             <a:endParaRPr lang="en-US"/>
           </a:p>
         </p:txBody>
@@ -1702,7 +2390,16 @@
           <a:bodyPr/>
           <a:lstStyle/>
           <a:p>
-            <a:fld id="{81D1DCC2-1B59-4E7F-ACE6-AD13E9837A5A}" type="slidenum">
+            <a:pPr marL="0" lvl="0" indent="0" algn="r" rtl="0">
+              <a:spcBef>
+                <a:spcPts val="0"/>
+              </a:spcBef>
+              <a:spcAft>
+                <a:spcPts val="0"/>
+              </a:spcAft>
+              <a:buNone/>
+            </a:pPr>
+            <a:fld id="{00000000-1234-1234-1234-123412341234}" type="slidenum">
               <a:rPr lang="en-US" smtClean="0"/>
               <a:t>‹#›</a:t>
             </a:fld>
@@ -1713,13 +2410,14 @@
     </p:spTree>
     <p:extLst>
       <p:ext uri="{BB962C8B-B14F-4D97-AF65-F5344CB8AC3E}">
-        <p14:creationId xmlns:p14="http://schemas.microsoft.com/office/powerpoint/2010/main" val="3673973426"/>
+        <p14:creationId xmlns:p14="http://schemas.microsoft.com/office/powerpoint/2010/main" val="3330839339"/>
       </p:ext>
     </p:extLst>
   </p:cSld>
   <p:clrMapOvr>
     <a:masterClrMapping/>
   </p:clrMapOvr>
+  <p:hf sldNum="0" hdr="0" ftr="0" dt="0"/>
 </p:sldLayout>
 </file>
 
@@ -1893,10 +2591,6 @@
           <a:bodyPr/>
           <a:lstStyle/>
           <a:p>
-            <a:fld id="{451A116C-1093-49D2-BFA1-3C0F25593396}" type="datetimeFigureOut">
-              <a:rPr lang="en-US" smtClean="0"/>
-              <a:t>3/20/2022</a:t>
-            </a:fld>
             <a:endParaRPr lang="en-US"/>
           </a:p>
         </p:txBody>
@@ -2022,7 +2716,16 @@
           <a:bodyPr/>
           <a:lstStyle/>
           <a:p>
-            <a:fld id="{81D1DCC2-1B59-4E7F-ACE6-AD13E9837A5A}" type="slidenum">
+            <a:pPr marL="0" lvl="0" indent="0" algn="r" rtl="0">
+              <a:spcBef>
+                <a:spcPts val="0"/>
+              </a:spcBef>
+              <a:spcAft>
+                <a:spcPts val="0"/>
+              </a:spcAft>
+              <a:buNone/>
+            </a:pPr>
+            <a:fld id="{00000000-1234-1234-1234-123412341234}" type="slidenum">
               <a:rPr lang="en-US" smtClean="0"/>
               <a:t>‹#›</a:t>
             </a:fld>
@@ -2109,13 +2812,14 @@
     </p:spTree>
     <p:extLst>
       <p:ext uri="{BB962C8B-B14F-4D97-AF65-F5344CB8AC3E}">
-        <p14:creationId xmlns:p14="http://schemas.microsoft.com/office/powerpoint/2010/main" val="2617035883"/>
+        <p14:creationId xmlns:p14="http://schemas.microsoft.com/office/powerpoint/2010/main" val="1167987001"/>
       </p:ext>
     </p:extLst>
   </p:cSld>
   <p:clrMapOvr>
     <a:masterClrMapping/>
   </p:clrMapOvr>
+  <p:hf sldNum="0" hdr="0" ftr="0" dt="0"/>
 </p:sldLayout>
 </file>
 
@@ -2289,10 +2993,6 @@
           <a:bodyPr/>
           <a:lstStyle/>
           <a:p>
-            <a:fld id="{451A116C-1093-49D2-BFA1-3C0F25593396}" type="datetimeFigureOut">
-              <a:rPr lang="en-US" smtClean="0"/>
-              <a:t>3/20/2022</a:t>
-            </a:fld>
             <a:endParaRPr lang="en-US"/>
           </a:p>
         </p:txBody>
@@ -2418,7 +3118,16 @@
           <a:bodyPr/>
           <a:lstStyle/>
           <a:p>
-            <a:fld id="{81D1DCC2-1B59-4E7F-ACE6-AD13E9837A5A}" type="slidenum">
+            <a:pPr marL="0" lvl="0" indent="0" algn="r" rtl="0">
+              <a:spcBef>
+                <a:spcPts val="0"/>
+              </a:spcBef>
+              <a:spcAft>
+                <a:spcPts val="0"/>
+              </a:spcAft>
+              <a:buNone/>
+            </a:pPr>
+            <a:fld id="{00000000-1234-1234-1234-123412341234}" type="slidenum">
               <a:rPr lang="en-US" smtClean="0"/>
               <a:t>‹#›</a:t>
             </a:fld>
@@ -2429,13 +3138,14 @@
     </p:spTree>
     <p:extLst>
       <p:ext uri="{BB962C8B-B14F-4D97-AF65-F5344CB8AC3E}">
-        <p14:creationId xmlns:p14="http://schemas.microsoft.com/office/powerpoint/2010/main" val="3401899327"/>
+        <p14:creationId xmlns:p14="http://schemas.microsoft.com/office/powerpoint/2010/main" val="3212483903"/>
       </p:ext>
     </p:extLst>
   </p:cSld>
   <p:clrMapOvr>
     <a:masterClrMapping/>
   </p:clrMapOvr>
+  <p:hf sldNum="0" hdr="0" ftr="0" dt="0"/>
 </p:sldLayout>
 </file>
 
@@ -2546,10 +3256,6 @@
           <a:bodyPr/>
           <a:lstStyle/>
           <a:p>
-            <a:fld id="{451A116C-1093-49D2-BFA1-3C0F25593396}" type="datetimeFigureOut">
-              <a:rPr lang="en-US" smtClean="0"/>
-              <a:t>3/20/2022</a:t>
-            </a:fld>
             <a:endParaRPr lang="en-US"/>
           </a:p>
         </p:txBody>
@@ -2670,7 +3376,16 @@
           <a:bodyPr/>
           <a:lstStyle/>
           <a:p>
-            <a:fld id="{81D1DCC2-1B59-4E7F-ACE6-AD13E9837A5A}" type="slidenum">
+            <a:pPr marL="0" lvl="0" indent="0" algn="r" rtl="0">
+              <a:spcBef>
+                <a:spcPts val="0"/>
+              </a:spcBef>
+              <a:spcAft>
+                <a:spcPts val="0"/>
+              </a:spcAft>
+              <a:buNone/>
+            </a:pPr>
+            <a:fld id="{00000000-1234-1234-1234-123412341234}" type="slidenum">
               <a:rPr lang="en-US" smtClean="0"/>
               <a:t>‹#›</a:t>
             </a:fld>
@@ -2681,7 +3396,7 @@
     </p:spTree>
     <p:extLst>
       <p:ext uri="{BB962C8B-B14F-4D97-AF65-F5344CB8AC3E}">
-        <p14:creationId xmlns:p14="http://schemas.microsoft.com/office/powerpoint/2010/main" val="718004261"/>
+        <p14:creationId xmlns:p14="http://schemas.microsoft.com/office/powerpoint/2010/main" val="3584103748"/>
       </p:ext>
     </p:extLst>
   </p:cSld>
@@ -2808,10 +3523,6 @@
           <a:bodyPr/>
           <a:lstStyle/>
           <a:p>
-            <a:fld id="{451A116C-1093-49D2-BFA1-3C0F25593396}" type="datetimeFigureOut">
-              <a:rPr lang="en-US" smtClean="0"/>
-              <a:t>3/20/2022</a:t>
-            </a:fld>
             <a:endParaRPr lang="en-US"/>
           </a:p>
         </p:txBody>
@@ -2932,7 +3643,16 @@
           <a:bodyPr/>
           <a:lstStyle/>
           <a:p>
-            <a:fld id="{81D1DCC2-1B59-4E7F-ACE6-AD13E9837A5A}" type="slidenum">
+            <a:pPr marL="0" lvl="0" indent="0" algn="r" rtl="0">
+              <a:spcBef>
+                <a:spcPts val="0"/>
+              </a:spcBef>
+              <a:spcAft>
+                <a:spcPts val="0"/>
+              </a:spcAft>
+              <a:buNone/>
+            </a:pPr>
+            <a:fld id="{00000000-1234-1234-1234-123412341234}" type="slidenum">
               <a:rPr lang="en-US" smtClean="0"/>
               <a:t>‹#›</a:t>
             </a:fld>
@@ -2943,7 +3663,7 @@
     </p:spTree>
     <p:extLst>
       <p:ext uri="{BB962C8B-B14F-4D97-AF65-F5344CB8AC3E}">
-        <p14:creationId xmlns:p14="http://schemas.microsoft.com/office/powerpoint/2010/main" val="3758749518"/>
+        <p14:creationId xmlns:p14="http://schemas.microsoft.com/office/powerpoint/2010/main" val="63747783"/>
       </p:ext>
     </p:extLst>
   </p:cSld>
@@ -3070,10 +3790,6 @@
           <a:bodyPr/>
           <a:lstStyle/>
           <a:p>
-            <a:fld id="{451A116C-1093-49D2-BFA1-3C0F25593396}" type="datetimeFigureOut">
-              <a:rPr lang="en-US" smtClean="0"/>
-              <a:t>3/20/2022</a:t>
-            </a:fld>
             <a:endParaRPr lang="en-US"/>
           </a:p>
         </p:txBody>
@@ -3194,7 +3910,16 @@
           <a:bodyPr/>
           <a:lstStyle/>
           <a:p>
-            <a:fld id="{81D1DCC2-1B59-4E7F-ACE6-AD13E9837A5A}" type="slidenum">
+            <a:pPr marL="0" lvl="0" indent="0" algn="r" rtl="0">
+              <a:spcBef>
+                <a:spcPts val="0"/>
+              </a:spcBef>
+              <a:spcAft>
+                <a:spcPts val="0"/>
+              </a:spcAft>
+              <a:buNone/>
+            </a:pPr>
+            <a:fld id="{00000000-1234-1234-1234-123412341234}" type="slidenum">
               <a:rPr lang="en-US" smtClean="0"/>
               <a:t>‹#›</a:t>
             </a:fld>
@@ -3205,7 +3930,7 @@
     </p:spTree>
     <p:extLst>
       <p:ext uri="{BB962C8B-B14F-4D97-AF65-F5344CB8AC3E}">
-        <p14:creationId xmlns:p14="http://schemas.microsoft.com/office/powerpoint/2010/main" val="2533113154"/>
+        <p14:creationId xmlns:p14="http://schemas.microsoft.com/office/powerpoint/2010/main" val="1469862883"/>
       </p:ext>
     </p:extLst>
   </p:cSld>
@@ -3399,10 +4124,6 @@
           <a:bodyPr/>
           <a:lstStyle/>
           <a:p>
-            <a:fld id="{451A116C-1093-49D2-BFA1-3C0F25593396}" type="datetimeFigureOut">
-              <a:rPr lang="en-US" smtClean="0"/>
-              <a:t>3/20/2022</a:t>
-            </a:fld>
             <a:endParaRPr lang="en-US"/>
           </a:p>
         </p:txBody>
@@ -3528,7 +4249,16 @@
           <a:bodyPr/>
           <a:lstStyle/>
           <a:p>
-            <a:fld id="{81D1DCC2-1B59-4E7F-ACE6-AD13E9837A5A}" type="slidenum">
+            <a:pPr marL="0" lvl="0" indent="0" algn="r" rtl="0">
+              <a:spcBef>
+                <a:spcPts val="0"/>
+              </a:spcBef>
+              <a:spcAft>
+                <a:spcPts val="0"/>
+              </a:spcAft>
+              <a:buNone/>
+            </a:pPr>
+            <a:fld id="{00000000-1234-1234-1234-123412341234}" type="slidenum">
               <a:rPr lang="en-US" smtClean="0"/>
               <a:t>‹#›</a:t>
             </a:fld>
@@ -3539,7 +4269,7 @@
     </p:spTree>
     <p:extLst>
       <p:ext uri="{BB962C8B-B14F-4D97-AF65-F5344CB8AC3E}">
-        <p14:creationId xmlns:p14="http://schemas.microsoft.com/office/powerpoint/2010/main" val="2905453338"/>
+        <p14:creationId xmlns:p14="http://schemas.microsoft.com/office/powerpoint/2010/main" val="1867281441"/>
       </p:ext>
     </p:extLst>
   </p:cSld>
@@ -3722,10 +4452,6 @@
           <a:bodyPr/>
           <a:lstStyle/>
           <a:p>
-            <a:fld id="{451A116C-1093-49D2-BFA1-3C0F25593396}" type="datetimeFigureOut">
-              <a:rPr lang="en-US" smtClean="0"/>
-              <a:t>3/20/2022</a:t>
-            </a:fld>
             <a:endParaRPr lang="en-US"/>
           </a:p>
         </p:txBody>
@@ -3851,7 +4577,16 @@
           <a:bodyPr/>
           <a:lstStyle/>
           <a:p>
-            <a:fld id="{81D1DCC2-1B59-4E7F-ACE6-AD13E9837A5A}" type="slidenum">
+            <a:pPr marL="0" lvl="0" indent="0" algn="r" rtl="0">
+              <a:spcBef>
+                <a:spcPts val="0"/>
+              </a:spcBef>
+              <a:spcAft>
+                <a:spcPts val="0"/>
+              </a:spcAft>
+              <a:buNone/>
+            </a:pPr>
+            <a:fld id="{00000000-1234-1234-1234-123412341234}" type="slidenum">
               <a:rPr lang="en-US" smtClean="0"/>
               <a:t>‹#›</a:t>
             </a:fld>
@@ -3862,7 +4597,7 @@
     </p:spTree>
     <p:extLst>
       <p:ext uri="{BB962C8B-B14F-4D97-AF65-F5344CB8AC3E}">
-        <p14:creationId xmlns:p14="http://schemas.microsoft.com/office/powerpoint/2010/main" val="537291906"/>
+        <p14:creationId xmlns:p14="http://schemas.microsoft.com/office/powerpoint/2010/main" val="1643270930"/>
       </p:ext>
     </p:extLst>
   </p:cSld>
@@ -4179,10 +4914,6 @@
           <a:bodyPr/>
           <a:lstStyle/>
           <a:p>
-            <a:fld id="{451A116C-1093-49D2-BFA1-3C0F25593396}" type="datetimeFigureOut">
-              <a:rPr lang="en-US" smtClean="0"/>
-              <a:t>3/20/2022</a:t>
-            </a:fld>
             <a:endParaRPr lang="en-US"/>
           </a:p>
         </p:txBody>
@@ -4308,7 +5039,16 @@
           <a:bodyPr/>
           <a:lstStyle/>
           <a:p>
-            <a:fld id="{81D1DCC2-1B59-4E7F-ACE6-AD13E9837A5A}" type="slidenum">
+            <a:pPr marL="0" lvl="0" indent="0" algn="r" rtl="0">
+              <a:spcBef>
+                <a:spcPts val="0"/>
+              </a:spcBef>
+              <a:spcAft>
+                <a:spcPts val="0"/>
+              </a:spcAft>
+              <a:buNone/>
+            </a:pPr>
+            <a:fld id="{00000000-1234-1234-1234-123412341234}" type="slidenum">
               <a:rPr lang="en-US" smtClean="0"/>
               <a:t>‹#›</a:t>
             </a:fld>
@@ -4319,7 +5059,7 @@
     </p:spTree>
     <p:extLst>
       <p:ext uri="{BB962C8B-B14F-4D97-AF65-F5344CB8AC3E}">
-        <p14:creationId xmlns:p14="http://schemas.microsoft.com/office/powerpoint/2010/main" val="225955497"/>
+        <p14:creationId xmlns:p14="http://schemas.microsoft.com/office/powerpoint/2010/main" val="3421097869"/>
       </p:ext>
     </p:extLst>
   </p:cSld>
@@ -4384,10 +5124,6 @@
           <a:bodyPr/>
           <a:lstStyle/>
           <a:p>
-            <a:fld id="{451A116C-1093-49D2-BFA1-3C0F25593396}" type="datetimeFigureOut">
-              <a:rPr lang="en-US" smtClean="0"/>
-              <a:t>3/20/2022</a:t>
-            </a:fld>
             <a:endParaRPr lang="en-US"/>
           </a:p>
         </p:txBody>
@@ -4508,7 +5244,16 @@
           <a:bodyPr/>
           <a:lstStyle/>
           <a:p>
-            <a:fld id="{81D1DCC2-1B59-4E7F-ACE6-AD13E9837A5A}" type="slidenum">
+            <a:pPr marL="0" lvl="0" indent="0" algn="r" rtl="0">
+              <a:spcBef>
+                <a:spcPts val="0"/>
+              </a:spcBef>
+              <a:spcAft>
+                <a:spcPts val="0"/>
+              </a:spcAft>
+              <a:buNone/>
+            </a:pPr>
+            <a:fld id="{00000000-1234-1234-1234-123412341234}" type="slidenum">
               <a:rPr lang="en-US" smtClean="0"/>
               <a:t>‹#›</a:t>
             </a:fld>
@@ -4519,7 +5264,7 @@
     </p:spTree>
     <p:extLst>
       <p:ext uri="{BB962C8B-B14F-4D97-AF65-F5344CB8AC3E}">
-        <p14:creationId xmlns:p14="http://schemas.microsoft.com/office/powerpoint/2010/main" val="2921154279"/>
+        <p14:creationId xmlns:p14="http://schemas.microsoft.com/office/powerpoint/2010/main" val="2128252688"/>
       </p:ext>
     </p:extLst>
   </p:cSld>
@@ -4561,10 +5306,6 @@
           <a:bodyPr/>
           <a:lstStyle/>
           <a:p>
-            <a:fld id="{451A116C-1093-49D2-BFA1-3C0F25593396}" type="datetimeFigureOut">
-              <a:rPr lang="en-US" smtClean="0"/>
-              <a:t>3/20/2022</a:t>
-            </a:fld>
             <a:endParaRPr lang="en-US"/>
           </a:p>
         </p:txBody>
@@ -4685,7 +5426,16 @@
           <a:bodyPr/>
           <a:lstStyle/>
           <a:p>
-            <a:fld id="{81D1DCC2-1B59-4E7F-ACE6-AD13E9837A5A}" type="slidenum">
+            <a:pPr marL="0" lvl="0" indent="0" algn="r" rtl="0">
+              <a:spcBef>
+                <a:spcPts val="0"/>
+              </a:spcBef>
+              <a:spcAft>
+                <a:spcPts val="0"/>
+              </a:spcAft>
+              <a:buNone/>
+            </a:pPr>
+            <a:fld id="{00000000-1234-1234-1234-123412341234}" type="slidenum">
               <a:rPr lang="en-US" smtClean="0"/>
               <a:t>‹#›</a:t>
             </a:fld>
@@ -4696,7 +5446,7 @@
     </p:spTree>
     <p:extLst>
       <p:ext uri="{BB962C8B-B14F-4D97-AF65-F5344CB8AC3E}">
-        <p14:creationId xmlns:p14="http://schemas.microsoft.com/office/powerpoint/2010/main" val="6173007"/>
+        <p14:creationId xmlns:p14="http://schemas.microsoft.com/office/powerpoint/2010/main" val="182899938"/>
       </p:ext>
     </p:extLst>
   </p:cSld>
@@ -4894,10 +5644,6 @@
           <a:bodyPr/>
           <a:lstStyle/>
           <a:p>
-            <a:fld id="{451A116C-1093-49D2-BFA1-3C0F25593396}" type="datetimeFigureOut">
-              <a:rPr lang="en-US" smtClean="0"/>
-              <a:t>3/20/2022</a:t>
-            </a:fld>
             <a:endParaRPr lang="en-US"/>
           </a:p>
         </p:txBody>
@@ -5018,7 +5764,16 @@
           <a:bodyPr/>
           <a:lstStyle/>
           <a:p>
-            <a:fld id="{81D1DCC2-1B59-4E7F-ACE6-AD13E9837A5A}" type="slidenum">
+            <a:pPr marL="0" lvl="0" indent="0" algn="r" rtl="0">
+              <a:spcBef>
+                <a:spcPts val="0"/>
+              </a:spcBef>
+              <a:spcAft>
+                <a:spcPts val="0"/>
+              </a:spcAft>
+              <a:buNone/>
+            </a:pPr>
+            <a:fld id="{00000000-1234-1234-1234-123412341234}" type="slidenum">
               <a:rPr lang="en-US" smtClean="0"/>
               <a:t>‹#›</a:t>
             </a:fld>
@@ -5029,7 +5784,7 @@
     </p:spTree>
     <p:extLst>
       <p:ext uri="{BB962C8B-B14F-4D97-AF65-F5344CB8AC3E}">
-        <p14:creationId xmlns:p14="http://schemas.microsoft.com/office/powerpoint/2010/main" val="2575982764"/>
+        <p14:creationId xmlns:p14="http://schemas.microsoft.com/office/powerpoint/2010/main" val="3259643980"/>
       </p:ext>
     </p:extLst>
   </p:cSld>
@@ -5239,10 +5994,6 @@
           <a:bodyPr/>
           <a:lstStyle/>
           <a:p>
-            <a:fld id="{451A116C-1093-49D2-BFA1-3C0F25593396}" type="datetimeFigureOut">
-              <a:rPr lang="en-US" smtClean="0"/>
-              <a:t>3/20/2022</a:t>
-            </a:fld>
             <a:endParaRPr lang="en-US"/>
           </a:p>
         </p:txBody>
@@ -5368,7 +6119,16 @@
           <a:bodyPr/>
           <a:lstStyle/>
           <a:p>
-            <a:fld id="{81D1DCC2-1B59-4E7F-ACE6-AD13E9837A5A}" type="slidenum">
+            <a:pPr marL="0" lvl="0" indent="0" algn="r" rtl="0">
+              <a:spcBef>
+                <a:spcPts val="0"/>
+              </a:spcBef>
+              <a:spcAft>
+                <a:spcPts val="0"/>
+              </a:spcAft>
+              <a:buNone/>
+            </a:pPr>
+            <a:fld id="{00000000-1234-1234-1234-123412341234}" type="slidenum">
               <a:rPr lang="en-US" smtClean="0"/>
               <a:t>‹#›</a:t>
             </a:fld>
@@ -5379,13 +6139,14 @@
     </p:spTree>
     <p:extLst>
       <p:ext uri="{BB962C8B-B14F-4D97-AF65-F5344CB8AC3E}">
-        <p14:creationId xmlns:p14="http://schemas.microsoft.com/office/powerpoint/2010/main" val="1398141653"/>
+        <p14:creationId xmlns:p14="http://schemas.microsoft.com/office/powerpoint/2010/main" val="1322211661"/>
       </p:ext>
     </p:extLst>
   </p:cSld>
   <p:clrMapOvr>
     <a:masterClrMapping/>
   </p:clrMapOvr>
+  <p:hf sldNum="0" hdr="0" ftr="0" dt="0"/>
 </p:sldLayout>
 </file>
 
@@ -7356,10 +8117,6 @@
             </a:lvl1pPr>
           </a:lstStyle>
           <a:p>
-            <a:fld id="{451A116C-1093-49D2-BFA1-3C0F25593396}" type="datetimeFigureOut">
-              <a:rPr lang="en-US" smtClean="0"/>
-              <a:t>3/20/2022</a:t>
-            </a:fld>
             <a:endParaRPr lang="en-US"/>
           </a:p>
         </p:txBody>
@@ -7432,7 +8189,16 @@
             </a:lvl1pPr>
           </a:lstStyle>
           <a:p>
-            <a:fld id="{81D1DCC2-1B59-4E7F-ACE6-AD13E9837A5A}" type="slidenum">
+            <a:pPr marL="0" lvl="0" indent="0" algn="r" rtl="0">
+              <a:spcBef>
+                <a:spcPts val="0"/>
+              </a:spcBef>
+              <a:spcAft>
+                <a:spcPts val="0"/>
+              </a:spcAft>
+              <a:buNone/>
+            </a:pPr>
+            <a:fld id="{00000000-1234-1234-1234-123412341234}" type="slidenum">
               <a:rPr lang="en-US" smtClean="0"/>
               <a:t>‹#›</a:t>
             </a:fld>
@@ -7443,29 +8209,30 @@
     </p:spTree>
     <p:extLst>
       <p:ext uri="{BB962C8B-B14F-4D97-AF65-F5344CB8AC3E}">
-        <p14:creationId xmlns:p14="http://schemas.microsoft.com/office/powerpoint/2010/main" val="2236462229"/>
+        <p14:creationId xmlns:p14="http://schemas.microsoft.com/office/powerpoint/2010/main" val="4132815088"/>
       </p:ext>
     </p:extLst>
   </p:cSld>
   <p:clrMap bg1="lt1" tx1="dk1" bg2="lt2" tx2="dk2" accent1="accent1" accent2="accent2" accent3="accent3" accent4="accent4" accent5="accent5" accent6="accent6" hlink="hlink" folHlink="folHlink"/>
   <p:sldLayoutIdLst>
-    <p:sldLayoutId id="2147483661" r:id="rId1"/>
-    <p:sldLayoutId id="2147483662" r:id="rId2"/>
-    <p:sldLayoutId id="2147483663" r:id="rId3"/>
-    <p:sldLayoutId id="2147483664" r:id="rId4"/>
-    <p:sldLayoutId id="2147483665" r:id="rId5"/>
-    <p:sldLayoutId id="2147483666" r:id="rId6"/>
-    <p:sldLayoutId id="2147483667" r:id="rId7"/>
-    <p:sldLayoutId id="2147483668" r:id="rId8"/>
-    <p:sldLayoutId id="2147483669" r:id="rId9"/>
-    <p:sldLayoutId id="2147483670" r:id="rId10"/>
-    <p:sldLayoutId id="2147483671" r:id="rId11"/>
-    <p:sldLayoutId id="2147483672" r:id="rId12"/>
-    <p:sldLayoutId id="2147483673" r:id="rId13"/>
-    <p:sldLayoutId id="2147483674" r:id="rId14"/>
-    <p:sldLayoutId id="2147483675" r:id="rId15"/>
-    <p:sldLayoutId id="2147483676" r:id="rId16"/>
+    <p:sldLayoutId id="2147483666" r:id="rId1"/>
+    <p:sldLayoutId id="2147483667" r:id="rId2"/>
+    <p:sldLayoutId id="2147483668" r:id="rId3"/>
+    <p:sldLayoutId id="2147483669" r:id="rId4"/>
+    <p:sldLayoutId id="2147483670" r:id="rId5"/>
+    <p:sldLayoutId id="2147483671" r:id="rId6"/>
+    <p:sldLayoutId id="2147483672" r:id="rId7"/>
+    <p:sldLayoutId id="2147483673" r:id="rId8"/>
+    <p:sldLayoutId id="2147483674" r:id="rId9"/>
+    <p:sldLayoutId id="2147483675" r:id="rId10"/>
+    <p:sldLayoutId id="2147483676" r:id="rId11"/>
+    <p:sldLayoutId id="2147483677" r:id="rId12"/>
+    <p:sldLayoutId id="2147483678" r:id="rId13"/>
+    <p:sldLayoutId id="2147483679" r:id="rId14"/>
+    <p:sldLayoutId id="2147483680" r:id="rId15"/>
+    <p:sldLayoutId id="2147483681" r:id="rId16"/>
   </p:sldLayoutIdLst>
+  <p:hf sldNum="0" hdr="0" ftr="0" dt="0"/>
   <p:txStyles>
     <p:titleStyle>
       <a:lvl1pPr algn="l" defTabSz="457200" rtl="0" eaLnBrk="1" latinLnBrk="0" hangingPunct="1">
@@ -7864,7 +8631,7 @@
   <p:cSld>
     <p:spTree>
       <p:nvGrpSpPr>
-        <p:cNvPr id="1" name=""/>
+        <p:cNvPr id="1" name="Shape 163"/>
         <p:cNvGrpSpPr/>
         <p:nvPr/>
       </p:nvGrpSpPr>
@@ -7878,101 +8645,155 @@
       </p:grpSpPr>
       <p:sp>
         <p:nvSpPr>
-          <p:cNvPr id="2" name="Title 1">
-            <a:extLst>
-              <a:ext uri="{FF2B5EF4-FFF2-40B4-BE49-F238E27FC236}">
-                <a16:creationId xmlns:a16="http://schemas.microsoft.com/office/drawing/2014/main" id="{F3242D5D-8DDE-44F1-B12B-14B898256D4D}"/>
-              </a:ext>
-            </a:extLst>
-          </p:cNvPr>
-          <p:cNvSpPr>
+          <p:cNvPr id="164" name="Google Shape;164;p1"/>
+          <p:cNvSpPr txBox="1">
             <a:spLocks noGrp="1"/>
           </p:cNvSpPr>
           <p:nvPr>
             <p:ph type="ctrTitle"/>
           </p:nvPr>
         </p:nvSpPr>
-        <p:spPr/>
-        <p:txBody>
-          <a:bodyPr/>
+        <p:spPr>
+          <a:prstGeom prst="rect">
+            <a:avLst/>
+          </a:prstGeom>
+          <a:noFill/>
+          <a:ln>
+            <a:noFill/>
+          </a:ln>
+        </p:spPr>
+        <p:txBody>
+          <a:bodyPr spcFirstLastPara="1" wrap="square" lIns="91425" tIns="45700" rIns="91425" bIns="45700" anchor="b" anchorCtr="0">
+            <a:normAutofit/>
+          </a:bodyPr>
           <a:lstStyle/>
           <a:p>
-            <a:r>
-              <a:rPr lang="en-US" dirty="0"/>
+            <a:pPr marL="0" lvl="0" indent="0" algn="l" rtl="0">
+              <a:spcBef>
+                <a:spcPts val="0"/>
+              </a:spcBef>
+              <a:spcAft>
+                <a:spcPts val="0"/>
+              </a:spcAft>
+              <a:buClr>
+                <a:srgbClr val="262626"/>
+              </a:buClr>
+              <a:buSzPts val="5400"/>
+              <a:buFont typeface="Century Gothic"/>
+              <a:buNone/>
+            </a:pPr>
+            <a:r>
+              <a:rPr lang="en-US"/>
               <a:t>NASA Airathon: Predict Air Quality (Particulate Track)</a:t>
             </a:r>
-          </a:p>
-        </p:txBody>
-      </p:sp>
-      <p:sp>
-        <p:nvSpPr>
-          <p:cNvPr id="3" name="Subtitle 2">
-            <a:extLst>
-              <a:ext uri="{FF2B5EF4-FFF2-40B4-BE49-F238E27FC236}">
-                <a16:creationId xmlns:a16="http://schemas.microsoft.com/office/drawing/2014/main" id="{81A091AA-E01E-4D8E-A192-0BBA7FA87974}"/>
-              </a:ext>
-            </a:extLst>
-          </p:cNvPr>
-          <p:cNvSpPr>
+            <a:endParaRPr/>
+          </a:p>
+        </p:txBody>
+      </p:sp>
+      <p:sp>
+        <p:nvSpPr>
+          <p:cNvPr id="165" name="Google Shape;165;p1"/>
+          <p:cNvSpPr txBox="1">
             <a:spLocks noGrp="1"/>
           </p:cNvSpPr>
           <p:nvPr>
             <p:ph type="subTitle" idx="1"/>
           </p:nvPr>
         </p:nvSpPr>
-        <p:spPr/>
-        <p:txBody>
-          <a:bodyPr>
+        <p:spPr>
+          <a:prstGeom prst="rect">
+            <a:avLst/>
+          </a:prstGeom>
+          <a:noFill/>
+          <a:ln>
+            <a:noFill/>
+          </a:ln>
+        </p:spPr>
+        <p:txBody>
+          <a:bodyPr spcFirstLastPara="1" wrap="square" lIns="91425" tIns="45700" rIns="91425" bIns="45700" anchor="t" anchorCtr="0">
             <a:normAutofit fontScale="70000" lnSpcReduction="20000"/>
           </a:bodyPr>
           <a:lstStyle/>
           <a:p>
-            <a:r>
-              <a:rPr lang="en-US" i="1" dirty="0"/>
+            <a:pPr marL="0" lvl="0" indent="0" algn="l" rtl="0">
+              <a:spcBef>
+                <a:spcPts val="0"/>
+              </a:spcBef>
+              <a:spcAft>
+                <a:spcPts val="0"/>
+              </a:spcAft>
+              <a:buSzPct val="100000"/>
+              <a:buNone/>
+            </a:pPr>
+            <a:r>
+              <a:rPr lang="en-US" i="1"/>
               <a:t>Hosted by NASA</a:t>
             </a:r>
-          </a:p>
-          <a:p>
-            <a:r>
-              <a:rPr lang="en-US" dirty="0"/>
+            <a:endParaRPr/>
+          </a:p>
+          <a:p>
+            <a:pPr marL="0" lvl="0" indent="0" algn="l" rtl="0">
+              <a:spcBef>
+                <a:spcPts val="1000"/>
+              </a:spcBef>
+              <a:spcAft>
+                <a:spcPts val="0"/>
+              </a:spcAft>
+              <a:buSzPct val="100000"/>
+              <a:buNone/>
+            </a:pPr>
+            <a:r>
+              <a:rPr lang="en-US"/>
               <a:t>Link: </a:t>
             </a:r>
             <a:r>
-              <a:rPr lang="en-US" dirty="0">
-                <a:hlinkClick r:id="rId2"/>
+              <a:rPr lang="en-US" u="sng">
+                <a:solidFill>
+                  <a:schemeClr val="hlink"/>
+                </a:solidFill>
+                <a:hlinkClick r:id="rId3"/>
               </a:rPr>
               <a:t>https://www.drivendata.org/competitions/88/competition-air-quality-pm/</a:t>
             </a:r>
-            <a:endParaRPr lang="en-US" dirty="0"/>
-          </a:p>
-          <a:p>
-            <a:r>
-              <a:rPr lang="en-US" dirty="0"/>
+            <a:endParaRPr/>
+          </a:p>
+          <a:p>
+            <a:pPr marL="0" lvl="0" indent="0" algn="l" rtl="0">
+              <a:spcBef>
+                <a:spcPts val="1000"/>
+              </a:spcBef>
+              <a:spcAft>
+                <a:spcPts val="0"/>
+              </a:spcAft>
+              <a:buSzPct val="100000"/>
+              <a:buNone/>
+            </a:pPr>
+            <a:r>
+              <a:rPr lang="en-US"/>
               <a:t>For Columbia University Deep Learning COMSW4995-012</a:t>
             </a:r>
-          </a:p>
-          <a:p>
-            <a:r>
-              <a:rPr lang="en-US" dirty="0"/>
-              <a:t>Zixiang Loh (zl3021) &amp; John William </a:t>
-            </a:r>
-            <a:r>
-              <a:rPr lang="en-US" dirty="0" err="1"/>
-              <a:t>Blackwelder</a:t>
-            </a:r>
-            <a:r>
-              <a:rPr lang="en-US" dirty="0"/>
-              <a:t> (jwb2168) </a:t>
-            </a:r>
+            <a:endParaRPr/>
+          </a:p>
+          <a:p>
+            <a:pPr marL="0" lvl="0" indent="0" algn="l" rtl="0">
+              <a:spcBef>
+                <a:spcPts val="1000"/>
+              </a:spcBef>
+              <a:spcAft>
+                <a:spcPts val="0"/>
+              </a:spcAft>
+              <a:buSzPct val="100000"/>
+              <a:buNone/>
+            </a:pPr>
+            <a:r>
+              <a:rPr lang="en-US"/>
+              <a:t>Zixiang Loh (zl3021) &amp; John William Blackwelder (jwb2168) </a:t>
+            </a:r>
+            <a:endParaRPr/>
           </a:p>
         </p:txBody>
       </p:sp>
     </p:spTree>
-    <p:extLst>
-      <p:ext uri="{BB962C8B-B14F-4D97-AF65-F5344CB8AC3E}">
-        <p14:creationId xmlns:p14="http://schemas.microsoft.com/office/powerpoint/2010/main" val="232184927"/>
-      </p:ext>
-    </p:extLst>
   </p:cSld>
   <p:clrMapOvr>
     <a:masterClrMapping/>
@@ -7985,7 +8806,7 @@
   <p:cSld>
     <p:spTree>
       <p:nvGrpSpPr>
-        <p:cNvPr id="1" name=""/>
+        <p:cNvPr id="1" name="Shape 169"/>
         <p:cNvGrpSpPr/>
         <p:nvPr/>
       </p:nvGrpSpPr>
@@ -7999,14 +8820,8 @@
       </p:grpSpPr>
       <p:sp>
         <p:nvSpPr>
-          <p:cNvPr id="2" name="Title 1">
-            <a:extLst>
-              <a:ext uri="{FF2B5EF4-FFF2-40B4-BE49-F238E27FC236}">
-                <a16:creationId xmlns:a16="http://schemas.microsoft.com/office/drawing/2014/main" id="{7BF1F8A4-838F-40B3-A17A-A415A7131496}"/>
-              </a:ext>
-            </a:extLst>
-          </p:cNvPr>
-          <p:cNvSpPr>
+          <p:cNvPr id="170" name="Google Shape;170;p2"/>
+          <p:cNvSpPr txBox="1">
             <a:spLocks noGrp="1"/>
           </p:cNvSpPr>
           <p:nvPr>
@@ -8018,28 +8833,46 @@
             <a:off x="1846476" y="129587"/>
             <a:ext cx="8911687" cy="709740"/>
           </a:xfrm>
+          <a:prstGeom prst="rect">
+            <a:avLst/>
+          </a:prstGeom>
+          <a:noFill/>
+          <a:ln>
+            <a:noFill/>
+          </a:ln>
         </p:spPr>
         <p:txBody>
-          <a:bodyPr/>
+          <a:bodyPr spcFirstLastPara="1" wrap="square" lIns="91425" tIns="45700" rIns="91425" bIns="45700" anchor="t" anchorCtr="0">
+            <a:normAutofit/>
+          </a:bodyPr>
           <a:lstStyle/>
           <a:p>
-            <a:r>
-              <a:rPr lang="en-US" dirty="0"/>
+            <a:pPr marL="0" lvl="0" indent="0" algn="l" rtl="0">
+              <a:spcBef>
+                <a:spcPts val="0"/>
+              </a:spcBef>
+              <a:spcAft>
+                <a:spcPts val="0"/>
+              </a:spcAft>
+              <a:buClr>
+                <a:srgbClr val="262626"/>
+              </a:buClr>
+              <a:buSzPts val="3600"/>
+              <a:buFont typeface="Century Gothic"/>
+              <a:buNone/>
+            </a:pPr>
+            <a:r>
+              <a:rPr lang="en-US"/>
               <a:t>Summary</a:t>
             </a:r>
-          </a:p>
-        </p:txBody>
-      </p:sp>
-      <p:sp>
-        <p:nvSpPr>
-          <p:cNvPr id="3" name="Content Placeholder 2">
-            <a:extLst>
-              <a:ext uri="{FF2B5EF4-FFF2-40B4-BE49-F238E27FC236}">
-                <a16:creationId xmlns:a16="http://schemas.microsoft.com/office/drawing/2014/main" id="{78BDCD3A-CB6E-449A-8C85-387C180E7EFE}"/>
-              </a:ext>
-            </a:extLst>
-          </p:cNvPr>
-          <p:cNvSpPr>
+            <a:endParaRPr/>
+          </a:p>
+        </p:txBody>
+      </p:sp>
+      <p:sp>
+        <p:nvSpPr>
+          <p:cNvPr id="171" name="Google Shape;171;p2"/>
+          <p:cNvSpPr txBox="1">
             <a:spLocks noGrp="1"/>
           </p:cNvSpPr>
           <p:nvPr>
@@ -8051,158 +8884,424 @@
             <a:off x="5663682" y="839327"/>
             <a:ext cx="5840930" cy="5071895"/>
           </a:xfrm>
+          <a:prstGeom prst="rect">
+            <a:avLst/>
+          </a:prstGeom>
+          <a:noFill/>
+          <a:ln>
+            <a:noFill/>
+          </a:ln>
         </p:spPr>
         <p:txBody>
-          <a:bodyPr>
+          <a:bodyPr spcFirstLastPara="1" wrap="square" lIns="91425" tIns="45700" rIns="91425" bIns="45700" anchor="t" anchorCtr="0">
             <a:normAutofit lnSpcReduction="10000"/>
           </a:bodyPr>
           <a:lstStyle/>
           <a:p>
+            <a:pPr marL="342900" lvl="0" indent="-342900" algn="l" rtl="0">
+              <a:spcBef>
+                <a:spcPts val="0"/>
+              </a:spcBef>
+              <a:spcAft>
+                <a:spcPts val="0"/>
+              </a:spcAft>
+              <a:buSzPts val="1800"/>
+              <a:buChar char="🠶"/>
+            </a:pPr>
             <a:r>
               <a:rPr lang="en-US" dirty="0"/>
               <a:t>The goal is to predict PM2.5 concentration data using either one or the combination of the data from 2 satellites:</a:t>
             </a:r>
-          </a:p>
-          <a:p>
-            <a:pPr lvl="1"/>
+            <a:endParaRPr dirty="0"/>
+          </a:p>
+          <a:p>
+            <a:pPr marL="742950" lvl="1" indent="-285750" algn="l" rtl="0">
+              <a:spcBef>
+                <a:spcPts val="1000"/>
+              </a:spcBef>
+              <a:spcAft>
+                <a:spcPts val="0"/>
+              </a:spcAft>
+              <a:buSzPts val="1600"/>
+              <a:buChar char="🠶"/>
+            </a:pPr>
             <a:r>
               <a:rPr lang="en-US" dirty="0"/>
               <a:t>MODIS/Terra and Aqua MAIAC Land Aerosol Optical Depth (AOD)</a:t>
             </a:r>
-          </a:p>
-          <a:p>
-            <a:pPr lvl="1"/>
+            <a:endParaRPr dirty="0"/>
+          </a:p>
+          <a:p>
+            <a:pPr marL="742950" lvl="1" indent="-285750" algn="l" rtl="0">
+              <a:spcBef>
+                <a:spcPts val="1000"/>
+              </a:spcBef>
+              <a:spcAft>
+                <a:spcPts val="0"/>
+              </a:spcAft>
+              <a:buSzPts val="1600"/>
+              <a:buChar char="🠶"/>
+            </a:pPr>
             <a:r>
               <a:rPr lang="en-US" dirty="0"/>
               <a:t>MISR Level 2 FIRSTLOOK Aerosol Product</a:t>
             </a:r>
-          </a:p>
-          <a:p>
+            <a:endParaRPr dirty="0"/>
+          </a:p>
+          <a:p>
+            <a:pPr marL="342900" lvl="0" indent="-342900" algn="l" rtl="0">
+              <a:spcBef>
+                <a:spcPts val="1000"/>
+              </a:spcBef>
+              <a:spcAft>
+                <a:spcPts val="0"/>
+              </a:spcAft>
+              <a:buSzPts val="1800"/>
+              <a:buChar char="🠶"/>
+            </a:pPr>
             <a:r>
               <a:rPr lang="en-US" dirty="0"/>
               <a:t>We only used the MODIS satellite data (MAIAC) HDF files.</a:t>
             </a:r>
-          </a:p>
-          <a:p>
+            <a:endParaRPr dirty="0"/>
+          </a:p>
+          <a:p>
+            <a:pPr marL="342900" lvl="0" indent="-342900" algn="l" rtl="0">
+              <a:spcBef>
+                <a:spcPts val="1000"/>
+              </a:spcBef>
+              <a:spcAft>
+                <a:spcPts val="0"/>
+              </a:spcAft>
+              <a:buSzPts val="1800"/>
+              <a:buChar char="🠶"/>
+            </a:pPr>
             <a:r>
               <a:rPr lang="en-US" dirty="0"/>
               <a:t>The MAIAC HDF files have multiple SDS layers, of which we only processed the following for features:</a:t>
             </a:r>
-          </a:p>
-          <a:p>
-            <a:pPr lvl="1"/>
+            <a:endParaRPr dirty="0"/>
+          </a:p>
+          <a:p>
+            <a:pPr marL="742950" lvl="1" indent="-285750" algn="l" rtl="0">
+              <a:spcBef>
+                <a:spcPts val="1000"/>
+              </a:spcBef>
+              <a:spcAft>
+                <a:spcPts val="0"/>
+              </a:spcAft>
+              <a:buSzPts val="1600"/>
+              <a:buChar char="🠶"/>
+            </a:pPr>
             <a:r>
               <a:rPr lang="en-US" dirty="0"/>
               <a:t>Optical_Depth_047 (also known as the blue band AOD)</a:t>
             </a:r>
-          </a:p>
-          <a:p>
-            <a:pPr lvl="1"/>
+            <a:endParaRPr dirty="0"/>
+          </a:p>
+          <a:p>
+            <a:pPr marL="742950" lvl="1" indent="-285750" algn="l" rtl="0">
+              <a:spcBef>
+                <a:spcPts val="1000"/>
+              </a:spcBef>
+              <a:spcAft>
+                <a:spcPts val="0"/>
+              </a:spcAft>
+              <a:buSzPts val="1600"/>
+              <a:buChar char="🠶"/>
+            </a:pPr>
             <a:r>
               <a:rPr lang="en-US" dirty="0"/>
               <a:t>Optical Depth_055 (also known as the green band AOD)</a:t>
             </a:r>
-          </a:p>
-          <a:p>
-            <a:pPr lvl="1"/>
+            <a:endParaRPr dirty="0"/>
+          </a:p>
+          <a:p>
+            <a:pPr marL="742950" lvl="1" indent="-285750" algn="l" rtl="0">
+              <a:spcBef>
+                <a:spcPts val="1000"/>
+              </a:spcBef>
+              <a:spcAft>
+                <a:spcPts val="0"/>
+              </a:spcAft>
+              <a:buSzPts val="1600"/>
+              <a:buChar char="🠶"/>
+            </a:pPr>
+            <a:r>
+              <a:rPr lang="en-US" dirty="0" err="1"/>
+              <a:t>AOD_Uncertainty</a:t>
+            </a:r>
             <a:r>
               <a:rPr lang="en-US" dirty="0"/>
-              <a:t>AOD_Uncertainty </a:t>
-            </a:r>
-          </a:p>
-          <a:p>
-            <a:pPr lvl="1"/>
+              <a:t> </a:t>
+            </a:r>
+            <a:endParaRPr dirty="0"/>
+          </a:p>
+          <a:p>
+            <a:pPr marL="742950" lvl="1" indent="-285750" algn="l" rtl="0">
+              <a:spcBef>
+                <a:spcPts val="1000"/>
+              </a:spcBef>
+              <a:spcAft>
+                <a:spcPts val="0"/>
+              </a:spcAft>
+              <a:buSzPts val="1600"/>
+              <a:buChar char="🠶"/>
+            </a:pPr>
+            <a:r>
+              <a:rPr lang="en-US" dirty="0" err="1"/>
+              <a:t>Column_WV</a:t>
+            </a:r>
             <a:r>
               <a:rPr lang="en-US" dirty="0"/>
-              <a:t>Column_WV (Column Water Vapor)</a:t>
-            </a:r>
-          </a:p>
-          <a:p>
-            <a:pPr lvl="1"/>
-            <a:endParaRPr lang="en-US" dirty="0"/>
+              <a:t> (Column Water Vapor)</a:t>
+            </a:r>
+            <a:endParaRPr dirty="0"/>
+          </a:p>
+          <a:p>
+            <a:pPr marL="742950" lvl="1" indent="-184150" algn="l" rtl="0">
+              <a:spcBef>
+                <a:spcPts val="1000"/>
+              </a:spcBef>
+              <a:spcAft>
+                <a:spcPts val="0"/>
+              </a:spcAft>
+              <a:buSzPts val="1600"/>
+              <a:buNone/>
+            </a:pPr>
+            <a:endParaRPr dirty="0"/>
+          </a:p>
+        </p:txBody>
+      </p:sp>
+      <p:sp>
+        <p:nvSpPr>
+          <p:cNvPr id="172" name="Google Shape;172;p2"/>
+          <p:cNvSpPr txBox="1"/>
+          <p:nvPr/>
+        </p:nvSpPr>
+        <p:spPr>
+          <a:xfrm>
+            <a:off x="1784341" y="5190822"/>
+            <a:ext cx="3657600" cy="400200"/>
+          </a:xfrm>
+          <a:prstGeom prst="rect">
+            <a:avLst/>
+          </a:prstGeom>
+          <a:noFill/>
+          <a:ln>
+            <a:noFill/>
+          </a:ln>
+        </p:spPr>
+        <p:txBody>
+          <a:bodyPr spcFirstLastPara="1" wrap="square" lIns="91425" tIns="45700" rIns="91425" bIns="45700" anchor="t" anchorCtr="0">
+            <a:spAutoFit/>
+          </a:bodyPr>
+          <a:lstStyle/>
+          <a:p>
+            <a:pPr marL="0" marR="0" lvl="0" indent="0" algn="ctr" rtl="0">
+              <a:spcBef>
+                <a:spcPts val="0"/>
+              </a:spcBef>
+              <a:spcAft>
+                <a:spcPts val="0"/>
+              </a:spcAft>
+              <a:buNone/>
+            </a:pPr>
+            <a:r>
+              <a:rPr lang="en-US" sz="1000" b="0" i="1" u="none" strike="noStrike" cap="none">
+                <a:solidFill>
+                  <a:schemeClr val="dk1"/>
+                </a:solidFill>
+                <a:latin typeface="Century Gothic"/>
+                <a:ea typeface="Century Gothic"/>
+                <a:cs typeface="Century Gothic"/>
+                <a:sym typeface="Century Gothic"/>
+              </a:rPr>
+              <a:t>Screenshot of leadership board showing R</a:t>
+            </a:r>
+            <a:r>
+              <a:rPr lang="en-US" sz="1000" b="0" i="1" u="none" strike="noStrike" cap="none" baseline="30000">
+                <a:solidFill>
+                  <a:schemeClr val="dk1"/>
+                </a:solidFill>
+                <a:latin typeface="Century Gothic"/>
+                <a:ea typeface="Century Gothic"/>
+                <a:cs typeface="Century Gothic"/>
+                <a:sym typeface="Century Gothic"/>
+              </a:rPr>
+              <a:t>2</a:t>
+            </a:r>
+            <a:r>
+              <a:rPr lang="en-US" sz="1000" b="0" i="1" u="none" strike="noStrike" cap="none">
+                <a:solidFill>
+                  <a:schemeClr val="dk1"/>
+                </a:solidFill>
+                <a:latin typeface="Century Gothic"/>
+                <a:ea typeface="Century Gothic"/>
+                <a:cs typeface="Century Gothic"/>
+                <a:sym typeface="Century Gothic"/>
+              </a:rPr>
+              <a:t> &amp; Position. The best model gave </a:t>
+            </a:r>
+            <a:r>
+              <a:rPr lang="en-US" sz="1000" i="1">
+                <a:solidFill>
+                  <a:schemeClr val="dk1"/>
+                </a:solidFill>
+                <a:latin typeface="Century Gothic"/>
+                <a:ea typeface="Century Gothic"/>
+                <a:cs typeface="Century Gothic"/>
+                <a:sym typeface="Century Gothic"/>
+              </a:rPr>
+              <a:t>R</a:t>
+            </a:r>
+            <a:r>
+              <a:rPr lang="en-US" sz="1000" i="1" baseline="30000">
+                <a:solidFill>
+                  <a:schemeClr val="dk1"/>
+                </a:solidFill>
+                <a:latin typeface="Century Gothic"/>
+                <a:ea typeface="Century Gothic"/>
+                <a:cs typeface="Century Gothic"/>
+                <a:sym typeface="Century Gothic"/>
+              </a:rPr>
+              <a:t>2</a:t>
+            </a:r>
+            <a:r>
+              <a:rPr lang="en-US" sz="1000" i="1">
+                <a:solidFill>
+                  <a:schemeClr val="dk1"/>
+                </a:solidFill>
+                <a:latin typeface="Century Gothic"/>
+                <a:ea typeface="Century Gothic"/>
+                <a:cs typeface="Century Gothic"/>
+                <a:sym typeface="Century Gothic"/>
+              </a:rPr>
+              <a:t> of 0.56.</a:t>
+            </a:r>
+            <a:endParaRPr/>
           </a:p>
         </p:txBody>
       </p:sp>
       <p:pic>
         <p:nvPicPr>
-          <p:cNvPr id="5" name="Picture 4">
-            <a:extLst>
-              <a:ext uri="{FF2B5EF4-FFF2-40B4-BE49-F238E27FC236}">
-                <a16:creationId xmlns:a16="http://schemas.microsoft.com/office/drawing/2014/main" id="{A62C8E08-5F8A-494F-9AD5-EB93EB2A623E}"/>
-              </a:ext>
-            </a:extLst>
-          </p:cNvPr>
-          <p:cNvPicPr>
-            <a:picLocks noChangeAspect="1"/>
-          </p:cNvPicPr>
+          <p:cNvPr id="173" name="Google Shape;173;p2"/>
+          <p:cNvPicPr preferRelativeResize="0"/>
           <p:nvPr/>
         </p:nvPicPr>
         <p:blipFill>
-          <a:blip r:embed="rId2"/>
+          <a:blip r:embed="rId3">
+            <a:alphaModFix/>
+          </a:blip>
           <a:stretch>
             <a:fillRect/>
           </a:stretch>
         </p:blipFill>
         <p:spPr>
           <a:xfrm>
-            <a:off x="1616674" y="839327"/>
-            <a:ext cx="3950592" cy="4479735"/>
-          </a:xfrm>
-          <a:prstGeom prst="rect">
-            <a:avLst/>
-          </a:prstGeom>
-        </p:spPr>
-      </p:pic>
-      <p:sp>
-        <p:nvSpPr>
-          <p:cNvPr id="6" name="TextBox 5">
-            <a:extLst>
-              <a:ext uri="{FF2B5EF4-FFF2-40B4-BE49-F238E27FC236}">
-                <a16:creationId xmlns:a16="http://schemas.microsoft.com/office/drawing/2014/main" id="{8F095FC9-D7AD-4D8A-8EBC-C701DBEB14FD}"/>
-              </a:ext>
-            </a:extLst>
-          </p:cNvPr>
-          <p:cNvSpPr txBox="1"/>
-          <p:nvPr/>
-        </p:nvSpPr>
-        <p:spPr>
-          <a:xfrm>
-            <a:off x="1909666" y="5259897"/>
-            <a:ext cx="3657600" cy="246221"/>
+            <a:off x="1659024" y="1239776"/>
+            <a:ext cx="3908249" cy="3867723"/>
           </a:xfrm>
           <a:prstGeom prst="rect">
             <a:avLst/>
           </a:prstGeom>
           <a:noFill/>
+          <a:ln>
+            <a:noFill/>
+          </a:ln>
         </p:spPr>
-        <p:txBody>
-          <a:bodyPr wrap="square" rtlCol="0">
+      </p:pic>
+      <p:sp>
+        <p:nvSpPr>
+          <p:cNvPr id="174" name="Google Shape;174;p2"/>
+          <p:cNvSpPr txBox="1"/>
+          <p:nvPr/>
+        </p:nvSpPr>
+        <p:spPr>
+          <a:xfrm>
+            <a:off x="1753150" y="3381875"/>
+            <a:ext cx="3720000" cy="400200"/>
+          </a:xfrm>
+          <a:prstGeom prst="rect">
+            <a:avLst/>
+          </a:prstGeom>
+          <a:noFill/>
+          <a:ln>
+            <a:noFill/>
+          </a:ln>
+        </p:spPr>
+        <p:txBody>
+          <a:bodyPr spcFirstLastPara="1" wrap="square" lIns="91425" tIns="91425" rIns="91425" bIns="91425" anchor="t" anchorCtr="0">
             <a:spAutoFit/>
           </a:bodyPr>
           <a:lstStyle/>
           <a:p>
-            <a:pPr algn="ctr"/>
-            <a:r>
-              <a:rPr lang="en-US" sz="1000" i="1" dirty="0"/>
-              <a:t>Screenshot of leadership board showing R</a:t>
-            </a:r>
-            <a:r>
-              <a:rPr lang="en-US" sz="1000" i="1" baseline="30000" dirty="0"/>
-              <a:t>2</a:t>
-            </a:r>
-            <a:r>
-              <a:rPr lang="en-US" sz="1000" i="1" dirty="0"/>
-              <a:t> &amp; Position</a:t>
-            </a:r>
+            <a:pPr marL="0" lvl="0" indent="0" algn="l" rtl="0">
+              <a:spcBef>
+                <a:spcPts val="0"/>
+              </a:spcBef>
+              <a:spcAft>
+                <a:spcPts val="0"/>
+              </a:spcAft>
+              <a:buNone/>
+            </a:pPr>
+            <a:endParaRPr>
+              <a:solidFill>
+                <a:srgbClr val="FF0000"/>
+              </a:solidFill>
+              <a:latin typeface="Century Gothic"/>
+              <a:ea typeface="Century Gothic"/>
+              <a:cs typeface="Century Gothic"/>
+              <a:sym typeface="Century Gothic"/>
+            </a:endParaRPr>
+          </a:p>
+        </p:txBody>
+      </p:sp>
+      <p:sp>
+        <p:nvSpPr>
+          <p:cNvPr id="175" name="Google Shape;175;p2"/>
+          <p:cNvSpPr/>
+          <p:nvPr/>
+        </p:nvSpPr>
+        <p:spPr>
+          <a:xfrm>
+            <a:off x="1725250" y="3417725"/>
+            <a:ext cx="3775800" cy="328500"/>
+          </a:xfrm>
+          <a:prstGeom prst="rect">
+            <a:avLst/>
+          </a:prstGeom>
+          <a:noFill/>
+          <a:ln w="9525" cap="flat" cmpd="sng">
+            <a:solidFill>
+              <a:srgbClr val="FF0000"/>
+            </a:solidFill>
+            <a:prstDash val="solid"/>
+            <a:round/>
+            <a:headEnd type="none" w="sm" len="sm"/>
+            <a:tailEnd type="none" w="sm" len="sm"/>
+          </a:ln>
+        </p:spPr>
+        <p:txBody>
+          <a:bodyPr spcFirstLastPara="1" wrap="square" lIns="91425" tIns="91425" rIns="91425" bIns="91425" anchor="ctr" anchorCtr="0">
+            <a:noAutofit/>
+          </a:bodyPr>
+          <a:lstStyle/>
+          <a:p>
+            <a:pPr marL="0" lvl="0" indent="0" algn="l" rtl="0">
+              <a:spcBef>
+                <a:spcPts val="0"/>
+              </a:spcBef>
+              <a:spcAft>
+                <a:spcPts val="0"/>
+              </a:spcAft>
+              <a:buNone/>
+            </a:pPr>
+            <a:endParaRPr/>
           </a:p>
         </p:txBody>
       </p:sp>
     </p:spTree>
-    <p:extLst>
-      <p:ext uri="{BB962C8B-B14F-4D97-AF65-F5344CB8AC3E}">
-        <p14:creationId xmlns:p14="http://schemas.microsoft.com/office/powerpoint/2010/main" val="2496069828"/>
-      </p:ext>
-    </p:extLst>
   </p:cSld>
   <p:clrMapOvr>
     <a:masterClrMapping/>
@@ -8215,7 +9314,7 @@
   <p:cSld>
     <p:spTree>
       <p:nvGrpSpPr>
-        <p:cNvPr id="1" name=""/>
+        <p:cNvPr id="1" name="Shape 179"/>
         <p:cNvGrpSpPr/>
         <p:nvPr/>
       </p:nvGrpSpPr>
@@ -8229,14 +9328,8 @@
       </p:grpSpPr>
       <p:sp>
         <p:nvSpPr>
-          <p:cNvPr id="2" name="Title 1">
-            <a:extLst>
-              <a:ext uri="{FF2B5EF4-FFF2-40B4-BE49-F238E27FC236}">
-                <a16:creationId xmlns:a16="http://schemas.microsoft.com/office/drawing/2014/main" id="{49DB4143-EBD9-44A5-A8A5-99737BA89DE1}"/>
-              </a:ext>
-            </a:extLst>
-          </p:cNvPr>
-          <p:cNvSpPr>
+          <p:cNvPr id="180" name="Google Shape;180;p3"/>
+          <p:cNvSpPr txBox="1">
             <a:spLocks noGrp="1"/>
           </p:cNvSpPr>
           <p:nvPr>
@@ -8248,28 +9341,46 @@
             <a:off x="1712081" y="0"/>
             <a:ext cx="8911687" cy="738231"/>
           </a:xfrm>
+          <a:prstGeom prst="rect">
+            <a:avLst/>
+          </a:prstGeom>
+          <a:noFill/>
+          <a:ln>
+            <a:noFill/>
+          </a:ln>
         </p:spPr>
         <p:txBody>
-          <a:bodyPr/>
+          <a:bodyPr spcFirstLastPara="1" wrap="square" lIns="91425" tIns="45700" rIns="91425" bIns="45700" anchor="t" anchorCtr="0">
+            <a:normAutofit/>
+          </a:bodyPr>
           <a:lstStyle/>
           <a:p>
-            <a:r>
-              <a:rPr lang="en-US" dirty="0"/>
+            <a:pPr marL="0" lvl="0" indent="0" algn="l" rtl="0">
+              <a:spcBef>
+                <a:spcPts val="0"/>
+              </a:spcBef>
+              <a:spcAft>
+                <a:spcPts val="0"/>
+              </a:spcAft>
+              <a:buClr>
+                <a:srgbClr val="262626"/>
+              </a:buClr>
+              <a:buSzPts val="3600"/>
+              <a:buFont typeface="Century Gothic"/>
+              <a:buNone/>
+            </a:pPr>
+            <a:r>
+              <a:rPr lang="en-US"/>
               <a:t>Methodology &amp; Challenges </a:t>
             </a:r>
-          </a:p>
-        </p:txBody>
-      </p:sp>
-      <p:sp>
-        <p:nvSpPr>
-          <p:cNvPr id="3" name="Content Placeholder 2">
-            <a:extLst>
-              <a:ext uri="{FF2B5EF4-FFF2-40B4-BE49-F238E27FC236}">
-                <a16:creationId xmlns:a16="http://schemas.microsoft.com/office/drawing/2014/main" id="{67B14D90-6157-4726-A4F8-FC31B1C5CEB5}"/>
-              </a:ext>
-            </a:extLst>
-          </p:cNvPr>
-          <p:cNvSpPr>
+            <a:endParaRPr/>
+          </a:p>
+        </p:txBody>
+      </p:sp>
+      <p:sp>
+        <p:nvSpPr>
+          <p:cNvPr id="181" name="Google Shape;181;p3"/>
+          <p:cNvSpPr txBox="1">
             <a:spLocks noGrp="1"/>
           </p:cNvSpPr>
           <p:nvPr>
@@ -8278,96 +9389,225 @@
         </p:nvSpPr>
         <p:spPr>
           <a:xfrm>
-            <a:off x="1712081" y="738231"/>
-            <a:ext cx="8915400" cy="5176008"/>
+            <a:off x="1712075" y="738224"/>
+            <a:ext cx="8915400" cy="5614800"/>
           </a:xfrm>
+          <a:prstGeom prst="rect">
+            <a:avLst/>
+          </a:prstGeom>
+          <a:noFill/>
+          <a:ln>
+            <a:noFill/>
+          </a:ln>
         </p:spPr>
         <p:txBody>
-          <a:bodyPr>
+          <a:bodyPr spcFirstLastPara="1" wrap="square" lIns="91425" tIns="45700" rIns="91425" bIns="45700" anchor="t" anchorCtr="0">
             <a:normAutofit fontScale="85000" lnSpcReduction="20000"/>
           </a:bodyPr>
           <a:lstStyle/>
           <a:p>
-            <a:r>
-              <a:rPr lang="en-US" dirty="0"/>
+            <a:pPr marL="342900" lvl="0" indent="-342900" algn="l" rtl="0">
+              <a:spcBef>
+                <a:spcPts val="0"/>
+              </a:spcBef>
+              <a:spcAft>
+                <a:spcPts val="0"/>
+              </a:spcAft>
+              <a:buSzPct val="100000"/>
+              <a:buChar char="🠶"/>
+            </a:pPr>
+            <a:r>
+              <a:rPr lang="en-US"/>
               <a:t>The most amount of time is spent processing the massive amount of data.</a:t>
             </a:r>
-          </a:p>
-          <a:p>
-            <a:r>
-              <a:rPr lang="en-US" dirty="0"/>
+            <a:endParaRPr/>
+          </a:p>
+          <a:p>
+            <a:pPr marL="342900" lvl="0" indent="-342900" algn="l" rtl="0">
+              <a:spcBef>
+                <a:spcPts val="1000"/>
+              </a:spcBef>
+              <a:spcAft>
+                <a:spcPts val="0"/>
+              </a:spcAft>
+              <a:buSzPct val="100000"/>
+              <a:buChar char="🠶"/>
+            </a:pPr>
+            <a:r>
+              <a:rPr lang="en-US"/>
               <a:t>The complete data download (both *.hdf and *.nc files) for both satellites in train and test has a combined size &gt; 100GB.</a:t>
             </a:r>
-          </a:p>
-          <a:p>
-            <a:r>
-              <a:rPr lang="en-US" dirty="0"/>
+            <a:endParaRPr/>
+          </a:p>
+          <a:p>
+            <a:pPr marL="342900" lvl="0" indent="-342900" algn="l" rtl="0">
+              <a:spcBef>
+                <a:spcPts val="1000"/>
+              </a:spcBef>
+              <a:spcAft>
+                <a:spcPts val="0"/>
+              </a:spcAft>
+              <a:buSzPct val="100000"/>
+              <a:buChar char="🠶"/>
+            </a:pPr>
+            <a:r>
+              <a:rPr lang="en-US"/>
               <a:t>The MAIAC HDF files have multiple SDS layers (13 in total) per file (we named them as fields in the code), of which each of them have different number of bands (or orbits).</a:t>
             </a:r>
-          </a:p>
-          <a:p>
-            <a:r>
-              <a:rPr lang="en-US" dirty="0"/>
+            <a:endParaRPr/>
+          </a:p>
+          <a:p>
+            <a:pPr marL="342900" lvl="0" indent="-342900" algn="l" rtl="0">
+              <a:spcBef>
+                <a:spcPts val="1000"/>
+              </a:spcBef>
+              <a:spcAft>
+                <a:spcPts val="0"/>
+              </a:spcAft>
+              <a:buSzPct val="100000"/>
+              <a:buChar char="🠶"/>
+            </a:pPr>
+            <a:r>
+              <a:rPr lang="en-US"/>
               <a:t>A lot of guidance we obtained are from the tutorial provided by the competition site: </a:t>
             </a:r>
             <a:r>
-              <a:rPr lang="en-US" dirty="0">
-                <a:hlinkClick r:id="rId2"/>
+              <a:rPr lang="en-US" u="sng">
+                <a:solidFill>
+                  <a:schemeClr val="hlink"/>
+                </a:solidFill>
+                <a:hlinkClick r:id="rId3"/>
               </a:rPr>
               <a:t>https://www.drivendata.co/blog/predict-pm25-benchmark/</a:t>
             </a:r>
             <a:r>
-              <a:rPr lang="en-US" dirty="0"/>
+              <a:rPr lang="en-US"/>
               <a:t> </a:t>
             </a:r>
-          </a:p>
-          <a:p>
-            <a:r>
-              <a:rPr lang="en-US" dirty="0"/>
+            <a:endParaRPr/>
+          </a:p>
+          <a:p>
+            <a:pPr marL="342900" lvl="0" indent="-342900" algn="l" rtl="0">
+              <a:spcBef>
+                <a:spcPts val="1000"/>
+              </a:spcBef>
+              <a:spcAft>
+                <a:spcPts val="0"/>
+              </a:spcAft>
+              <a:buSzPct val="100000"/>
+              <a:buChar char="🠶"/>
+            </a:pPr>
+            <a:r>
+              <a:rPr lang="en-US"/>
               <a:t>We wrote wrappers around the code, made functions/loops to automatically crunched all 4 SDS layers.</a:t>
             </a:r>
-          </a:p>
-          <a:p>
-            <a:pPr lvl="1"/>
-            <a:r>
-              <a:rPr lang="en-US" dirty="0"/>
+            <a:endParaRPr/>
+          </a:p>
+          <a:p>
+            <a:pPr marL="742950" lvl="1" indent="-285750" algn="l" rtl="0">
+              <a:spcBef>
+                <a:spcPts val="1000"/>
+              </a:spcBef>
+              <a:spcAft>
+                <a:spcPts val="0"/>
+              </a:spcAft>
+              <a:buSzPct val="100000"/>
+              <a:buChar char="🠶"/>
+            </a:pPr>
+            <a:r>
+              <a:rPr lang="en-US"/>
               <a:t>We first process each MAIAC HDF file in the train_labels.csv and submission_format.csv, putting all 4 SDS layers into Geopanda Dataframes (GDF).</a:t>
             </a:r>
-          </a:p>
-          <a:p>
-            <a:pPr lvl="1"/>
-            <a:r>
-              <a:rPr lang="en-US" dirty="0"/>
-              <a:t>We used similar methods to those provided in the tutorial, masking out invalid fills, using sinusoidal latitude &amp; longitude intersections, and then further using a bounding box for each city grid (LA, Taipei, Delhi) to limit the amount of data in each GDF.</a:t>
-            </a:r>
-          </a:p>
-          <a:p>
-            <a:pPr lvl="1"/>
-            <a:r>
-              <a:rPr lang="en-US" dirty="0"/>
+            <a:endParaRPr/>
+          </a:p>
+          <a:p>
+            <a:pPr marL="742950" lvl="1" indent="-296545" algn="l" rtl="0">
+              <a:spcBef>
+                <a:spcPts val="1000"/>
+              </a:spcBef>
+              <a:spcAft>
+                <a:spcPts val="0"/>
+              </a:spcAft>
+              <a:buSzPct val="112500"/>
+              <a:buChar char="🠶"/>
+            </a:pPr>
+            <a:r>
+              <a:rPr lang="en-US"/>
+              <a:t>2 of the other SDS layers that we wanted to use initially (FineModFraction &amp; Injection Height) had mostly empty frames, and we had to remove them from our analysis.</a:t>
+            </a:r>
+            <a:endParaRPr/>
+          </a:p>
+          <a:p>
+            <a:pPr marL="742950" lvl="1" indent="-285750" algn="l" rtl="0">
+              <a:spcBef>
+                <a:spcPts val="1000"/>
+              </a:spcBef>
+              <a:spcAft>
+                <a:spcPts val="0"/>
+              </a:spcAft>
+              <a:buSzPct val="100000"/>
+              <a:buChar char="🠶"/>
+            </a:pPr>
+            <a:r>
+              <a:rPr lang="en-US"/>
+              <a:t>We used similar methods to those provided in the tutorial, masking out invalid fills, scaling and using data offsets, using sinusoidal latitude &amp; longitude intersections, and then further using a bounding box for each city grid (LA, Taipei, Delhi) to limit the amount of data in each GDF.</a:t>
+            </a:r>
+            <a:endParaRPr/>
+          </a:p>
+          <a:p>
+            <a:pPr marL="742950" lvl="1" indent="-285750" algn="l" rtl="0">
+              <a:spcBef>
+                <a:spcPts val="1000"/>
+              </a:spcBef>
+              <a:spcAft>
+                <a:spcPts val="0"/>
+              </a:spcAft>
+              <a:buSzPct val="100000"/>
+              <a:buChar char="🠶"/>
+            </a:pPr>
+            <a:r>
+              <a:rPr lang="en-US"/>
               <a:t>Each data is parsed into a dictionary that contains all 4 subsets of smaller GDF for each HDF file, and then packed away as pbz2 files (Pickle, Bzip2 compressed files)</a:t>
             </a:r>
-          </a:p>
-          <a:p>
-            <a:r>
-              <a:rPr lang="en-US" dirty="0"/>
-              <a:t>Once we have a smaller search grid in these pbz2 files, it then becomes straight forward to intersect each grid polygon in the training or test data set and extract features from these files. </a:t>
-            </a:r>
-          </a:p>
-          <a:p>
-            <a:r>
-              <a:rPr lang="en-US" dirty="0"/>
+            <a:endParaRPr/>
+          </a:p>
+          <a:p>
+            <a:pPr marL="342900" lvl="0" indent="-342900" algn="l" rtl="0">
+              <a:spcBef>
+                <a:spcPts val="1000"/>
+              </a:spcBef>
+              <a:spcAft>
+                <a:spcPts val="0"/>
+              </a:spcAft>
+              <a:buSzPct val="100000"/>
+              <a:buChar char="🠶"/>
+            </a:pPr>
+            <a:r>
+              <a:rPr lang="en-US"/>
+              <a:t>Once we have a smaller search grid in these pbz2 files, it then becomes straightforward to intersect each grid polygon in the training or test data set and extract features from these files. </a:t>
+            </a:r>
+            <a:endParaRPr/>
+          </a:p>
+          <a:p>
+            <a:pPr marL="342900" lvl="0" indent="-342900" algn="l" rtl="0">
+              <a:spcBef>
+                <a:spcPts val="1000"/>
+              </a:spcBef>
+              <a:spcAft>
+                <a:spcPts val="0"/>
+              </a:spcAft>
+              <a:buSzPct val="100000"/>
+              <a:buChar char="🠶"/>
+            </a:pPr>
+            <a:r>
+              <a:rPr lang="en-US"/>
               <a:t>We used [min, max, mean, std dev] as features from each of the 4 layers as extracted features for training. </a:t>
             </a:r>
+            <a:endParaRPr/>
           </a:p>
         </p:txBody>
       </p:sp>
     </p:spTree>
-    <p:extLst>
-      <p:ext uri="{BB962C8B-B14F-4D97-AF65-F5344CB8AC3E}">
-        <p14:creationId xmlns:p14="http://schemas.microsoft.com/office/powerpoint/2010/main" val="1320143830"/>
-      </p:ext>
-    </p:extLst>
   </p:cSld>
   <p:clrMapOvr>
     <a:masterClrMapping/>
@@ -8380,7 +9620,7 @@
   <p:cSld>
     <p:spTree>
       <p:nvGrpSpPr>
-        <p:cNvPr id="1" name=""/>
+        <p:cNvPr id="1" name="Shape 185"/>
         <p:cNvGrpSpPr/>
         <p:nvPr/>
       </p:nvGrpSpPr>
@@ -8394,14 +9634,8 @@
       </p:grpSpPr>
       <p:sp>
         <p:nvSpPr>
-          <p:cNvPr id="2" name="Title 1">
-            <a:extLst>
-              <a:ext uri="{FF2B5EF4-FFF2-40B4-BE49-F238E27FC236}">
-                <a16:creationId xmlns:a16="http://schemas.microsoft.com/office/drawing/2014/main" id="{49DB4143-EBD9-44A5-A8A5-99737BA89DE1}"/>
-              </a:ext>
-            </a:extLst>
-          </p:cNvPr>
-          <p:cNvSpPr>
+          <p:cNvPr id="186" name="Google Shape;186;p4"/>
+          <p:cNvSpPr txBox="1">
             <a:spLocks noGrp="1"/>
           </p:cNvSpPr>
           <p:nvPr>
@@ -8413,36 +9647,46 @@
             <a:off x="1712081" y="0"/>
             <a:ext cx="8911687" cy="738231"/>
           </a:xfrm>
+          <a:prstGeom prst="rect">
+            <a:avLst/>
+          </a:prstGeom>
+          <a:noFill/>
+          <a:ln>
+            <a:noFill/>
+          </a:ln>
         </p:spPr>
         <p:txBody>
-          <a:bodyPr/>
+          <a:bodyPr spcFirstLastPara="1" wrap="square" lIns="91425" tIns="45700" rIns="91425" bIns="45700" anchor="t" anchorCtr="0">
+            <a:normAutofit/>
+          </a:bodyPr>
           <a:lstStyle/>
           <a:p>
-            <a:r>
-              <a:rPr lang="en-US" dirty="0"/>
-              <a:t>Methodology &amp; Challenges (</a:t>
-            </a:r>
-            <a:r>
-              <a:rPr lang="en-US" dirty="0" err="1"/>
-              <a:t>Con’t</a:t>
-            </a:r>
-            <a:r>
-              <a:rPr lang="en-US" dirty="0"/>
-              <a:t>)</a:t>
-            </a:r>
-          </a:p>
-        </p:txBody>
-      </p:sp>
-      <p:sp>
-        <p:nvSpPr>
-          <p:cNvPr id="3" name="Content Placeholder 2">
-            <a:extLst>
-              <a:ext uri="{FF2B5EF4-FFF2-40B4-BE49-F238E27FC236}">
-                <a16:creationId xmlns:a16="http://schemas.microsoft.com/office/drawing/2014/main" id="{67B14D90-6157-4726-A4F8-FC31B1C5CEB5}"/>
-              </a:ext>
-            </a:extLst>
-          </p:cNvPr>
-          <p:cNvSpPr>
+            <a:pPr marL="0" lvl="0" indent="0" algn="l" rtl="0">
+              <a:spcBef>
+                <a:spcPts val="0"/>
+              </a:spcBef>
+              <a:spcAft>
+                <a:spcPts val="0"/>
+              </a:spcAft>
+              <a:buClr>
+                <a:srgbClr val="262626"/>
+              </a:buClr>
+              <a:buSzPts val="3600"/>
+              <a:buFont typeface="Century Gothic"/>
+              <a:buNone/>
+            </a:pPr>
+            <a:r>
+              <a:rPr lang="en-US"/>
+              <a:t>Methodology &amp; Challenges (Con’t)</a:t>
+            </a:r>
+            <a:endParaRPr/>
+          </a:p>
+        </p:txBody>
+      </p:sp>
+      <p:sp>
+        <p:nvSpPr>
+          <p:cNvPr id="187" name="Google Shape;187;p4"/>
+          <p:cNvSpPr txBox="1">
             <a:spLocks noGrp="1"/>
           </p:cNvSpPr>
           <p:nvPr>
@@ -8454,142 +9698,244 @@
             <a:off x="4777273" y="597159"/>
             <a:ext cx="6727339" cy="5812030"/>
           </a:xfrm>
+          <a:prstGeom prst="rect">
+            <a:avLst/>
+          </a:prstGeom>
+          <a:noFill/>
+          <a:ln>
+            <a:noFill/>
+          </a:ln>
         </p:spPr>
         <p:txBody>
-          <a:bodyPr>
-            <a:normAutofit lnSpcReduction="10000"/>
+          <a:bodyPr spcFirstLastPara="1" wrap="square" lIns="91425" tIns="45700" rIns="91425" bIns="45700" anchor="t" anchorCtr="0">
+            <a:normAutofit fontScale="85000" lnSpcReduction="20000"/>
           </a:bodyPr>
           <a:lstStyle/>
           <a:p>
-            <a:r>
-              <a:rPr lang="en-US" dirty="0"/>
-              <a:t>Even after extracting features from the pbz2 files, the bigger challenge is then processing the number of </a:t>
-            </a:r>
-            <a:r>
-              <a:rPr lang="en-US" dirty="0" err="1"/>
-              <a:t>NaNs</a:t>
-            </a:r>
-            <a:r>
-              <a:rPr lang="en-US" dirty="0"/>
-              <a:t> (not a number) in the extracting features. </a:t>
-            </a:r>
-          </a:p>
-          <a:p>
-            <a:pPr lvl="1"/>
-            <a:r>
-              <a:rPr lang="en-US" dirty="0"/>
+            <a:pPr marL="342900" lvl="0" indent="-325755" algn="l" rtl="0">
+              <a:spcBef>
+                <a:spcPts val="0"/>
+              </a:spcBef>
+              <a:spcAft>
+                <a:spcPts val="0"/>
+              </a:spcAft>
+              <a:buSzPct val="100000"/>
+              <a:buChar char="🠶"/>
+            </a:pPr>
+            <a:r>
+              <a:rPr lang="en-US"/>
+              <a:t>Even after extracting features from the pbz2 files, the bigger challenge is then processing the number of NaNs (not a number) in the extracted features. </a:t>
+            </a:r>
+            <a:endParaRPr/>
+          </a:p>
+          <a:p>
+            <a:pPr marL="742950" lvl="1" indent="-270510" algn="l" rtl="0">
+              <a:spcBef>
+                <a:spcPts val="1000"/>
+              </a:spcBef>
+              <a:spcAft>
+                <a:spcPts val="0"/>
+              </a:spcAft>
+              <a:buSzPct val="100000"/>
+              <a:buChar char="🠶"/>
+            </a:pPr>
+            <a:r>
+              <a:rPr lang="en-US"/>
               <a:t>This is mainly because there are occasions when clouds or snow or other objects obscure the measurements on the satellite. (these show up as empty GDFs)</a:t>
             </a:r>
-          </a:p>
-          <a:p>
-            <a:pPr lvl="1"/>
-            <a:r>
-              <a:rPr lang="en-US" dirty="0"/>
-              <a:t>We measured that there are roughly 13% - 25% of the features contain some amount of </a:t>
-            </a:r>
-            <a:r>
-              <a:rPr lang="en-US" dirty="0" err="1"/>
-              <a:t>NaN</a:t>
-            </a:r>
-            <a:endParaRPr lang="en-US" dirty="0"/>
-          </a:p>
-          <a:p>
-            <a:pPr lvl="1"/>
-            <a:endParaRPr lang="en-US" dirty="0"/>
-          </a:p>
-          <a:p>
-            <a:pPr lvl="1"/>
-            <a:endParaRPr lang="en-US" dirty="0"/>
-          </a:p>
-          <a:p>
-            <a:pPr lvl="1"/>
-            <a:r>
-              <a:rPr lang="en-US" dirty="0"/>
-              <a:t>The training/cross validation split was done using year. Anything &gt; 2019 is used for cross validation, and everything else is used for training. This gives us a decent equal split.</a:t>
-            </a:r>
-          </a:p>
-          <a:p>
-            <a:pPr lvl="1"/>
-            <a:r>
-              <a:rPr lang="en-US" dirty="0"/>
+            <a:endParaRPr/>
+          </a:p>
+          <a:p>
+            <a:pPr marL="742950" lvl="1" indent="-270510" algn="l" rtl="0">
+              <a:spcBef>
+                <a:spcPts val="1000"/>
+              </a:spcBef>
+              <a:spcAft>
+                <a:spcPts val="0"/>
+              </a:spcAft>
+              <a:buSzPct val="100000"/>
+              <a:buChar char="🠶"/>
+            </a:pPr>
+            <a:r>
+              <a:rPr lang="en-US"/>
+              <a:t>We measured that there are roughly 13% - 25% of the features contain some amount of NaN</a:t>
+            </a:r>
+            <a:endParaRPr/>
+          </a:p>
+          <a:p>
+            <a:pPr marL="742950" lvl="1" indent="-184150" algn="l" rtl="0">
+              <a:spcBef>
+                <a:spcPts val="1000"/>
+              </a:spcBef>
+              <a:spcAft>
+                <a:spcPts val="0"/>
+              </a:spcAft>
+              <a:buSzPct val="100000"/>
+              <a:buNone/>
+            </a:pPr>
+            <a:endParaRPr/>
+          </a:p>
+          <a:p>
+            <a:pPr marL="742950" lvl="1" indent="-184150" algn="l" rtl="0">
+              <a:spcBef>
+                <a:spcPts val="1000"/>
+              </a:spcBef>
+              <a:spcAft>
+                <a:spcPts val="0"/>
+              </a:spcAft>
+              <a:buSzPct val="100000"/>
+              <a:buNone/>
+            </a:pPr>
+            <a:endParaRPr/>
+          </a:p>
+          <a:p>
+            <a:pPr marL="342900" lvl="0" indent="-314960" algn="l" rtl="0">
+              <a:spcBef>
+                <a:spcPts val="1000"/>
+              </a:spcBef>
+              <a:spcAft>
+                <a:spcPts val="0"/>
+              </a:spcAft>
+              <a:buSzPct val="88888"/>
+              <a:buChar char="🠶"/>
+            </a:pPr>
+            <a:r>
+              <a:rPr lang="en-US"/>
+              <a:t>The training/cross validation split was done by year. Anything &gt; 2019 is used for cross validation, and everything else is used for training. This gives us a decent equal split.</a:t>
+            </a:r>
+            <a:endParaRPr/>
+          </a:p>
+          <a:p>
+            <a:pPr marL="342900" lvl="0" indent="-314960" algn="l" rtl="0">
+              <a:spcBef>
+                <a:spcPts val="1000"/>
+              </a:spcBef>
+              <a:spcAft>
+                <a:spcPts val="0"/>
+              </a:spcAft>
+              <a:buSzPct val="88888"/>
+              <a:buChar char="🠶"/>
+            </a:pPr>
+            <a:r>
+              <a:rPr lang="en-US"/>
               <a:t>We tried many ways to impute the missing data. Ultimately, we found that using the average of previous 2 features will give a decent convergence for the neural network and provide a lower training and cross validation loss. </a:t>
             </a:r>
-          </a:p>
-          <a:p>
-            <a:r>
-              <a:rPr lang="en-US" dirty="0"/>
+            <a:endParaRPr/>
+          </a:p>
+          <a:p>
+            <a:pPr marL="342900" lvl="0" indent="-325755" algn="l" rtl="0">
+              <a:spcBef>
+                <a:spcPts val="1000"/>
+              </a:spcBef>
+              <a:spcAft>
+                <a:spcPts val="0"/>
+              </a:spcAft>
+              <a:buSzPct val="100000"/>
+              <a:buChar char="🠶"/>
+            </a:pPr>
+            <a:r>
+              <a:rPr lang="en-US"/>
+              <a:t>We wanted to use other sources of data in conjunction with the satellite data, in particular the </a:t>
+            </a:r>
+            <a:r>
+              <a:rPr lang="en-US">
+                <a:uFill>
+                  <a:noFill/>
+                </a:uFill>
+                <a:hlinkClick r:id="rId3"/>
+              </a:rPr>
+              <a:t>Global Forecast System</a:t>
+            </a:r>
+            <a:r>
+              <a:rPr lang="en-US"/>
+              <a:t> (GFS) weather model produced by </a:t>
+            </a:r>
+            <a:r>
+              <a:rPr lang="en-US">
+                <a:uFill>
+                  <a:noFill/>
+                </a:uFill>
+                <a:hlinkClick r:id="rId4"/>
+              </a:rPr>
+              <a:t>National Centers for Environmental Prediction</a:t>
+            </a:r>
+            <a:r>
+              <a:rPr lang="en-US"/>
+              <a:t> (NCEP), but ultimately we could not develop the code in time to generate the features and test it.</a:t>
+            </a:r>
+            <a:endParaRPr/>
+          </a:p>
+          <a:p>
+            <a:pPr marL="342900" lvl="0" indent="-325755" algn="l" rtl="0">
+              <a:spcBef>
+                <a:spcPts val="1000"/>
+              </a:spcBef>
+              <a:spcAft>
+                <a:spcPts val="0"/>
+              </a:spcAft>
+              <a:buSzPct val="100000"/>
+              <a:buChar char="🠶"/>
+            </a:pPr>
+            <a:r>
+              <a:rPr lang="en-US"/>
               <a:t>Link to code on GitHub: </a:t>
             </a:r>
             <a:r>
-              <a:rPr lang="en-US" dirty="0">
-                <a:hlinkClick r:id="rId2"/>
+              <a:rPr lang="en-US" u="sng">
+                <a:solidFill>
+                  <a:schemeClr val="hlink"/>
+                </a:solidFill>
+                <a:hlinkClick r:id="rId5"/>
               </a:rPr>
               <a:t>https://github.com/zixiangloh/nasa-dl-competition</a:t>
             </a:r>
             <a:r>
-              <a:rPr lang="en-US" dirty="0"/>
-              <a:t> (There should be a copy of this slide in the </a:t>
-            </a:r>
-            <a:r>
-              <a:rPr lang="en-US" dirty="0" err="1"/>
-              <a:t>Github</a:t>
-            </a:r>
-            <a:r>
-              <a:rPr lang="en-US" dirty="0"/>
-              <a:t> Repo)</a:t>
-            </a:r>
+              <a:rPr lang="en-US"/>
+              <a:t> (There should be a copy of this slide in the Github Repo)</a:t>
+            </a:r>
+            <a:endParaRPr/>
           </a:p>
         </p:txBody>
       </p:sp>
       <p:pic>
         <p:nvPicPr>
-          <p:cNvPr id="5" name="Picture 4">
-            <a:extLst>
-              <a:ext uri="{FF2B5EF4-FFF2-40B4-BE49-F238E27FC236}">
-                <a16:creationId xmlns:a16="http://schemas.microsoft.com/office/drawing/2014/main" id="{8535FEB1-BC38-489E-995F-04261BA87E60}"/>
-              </a:ext>
-            </a:extLst>
-          </p:cNvPr>
-          <p:cNvPicPr>
-            <a:picLocks noChangeAspect="1"/>
-          </p:cNvPicPr>
+          <p:cNvPr id="188" name="Google Shape;188;p4"/>
+          <p:cNvPicPr preferRelativeResize="0"/>
           <p:nvPr/>
         </p:nvPicPr>
-        <p:blipFill>
-          <a:blip r:embed="rId3"/>
-          <a:stretch>
-            <a:fillRect/>
-          </a:stretch>
+        <p:blipFill rotWithShape="1">
+          <a:blip r:embed="rId6">
+            <a:alphaModFix/>
+          </a:blip>
+          <a:srcRect/>
+          <a:stretch/>
         </p:blipFill>
         <p:spPr>
           <a:xfrm>
-            <a:off x="5607792" y="2802077"/>
+            <a:off x="5583342" y="2322127"/>
             <a:ext cx="4505954" cy="514422"/>
           </a:xfrm>
           <a:prstGeom prst="rect">
             <a:avLst/>
           </a:prstGeom>
+          <a:noFill/>
+          <a:ln>
+            <a:noFill/>
+          </a:ln>
         </p:spPr>
       </p:pic>
       <p:pic>
         <p:nvPicPr>
-          <p:cNvPr id="7" name="Picture 6">
-            <a:extLst>
-              <a:ext uri="{FF2B5EF4-FFF2-40B4-BE49-F238E27FC236}">
-                <a16:creationId xmlns:a16="http://schemas.microsoft.com/office/drawing/2014/main" id="{09466907-8771-44BF-89C1-06144632E12D}"/>
-              </a:ext>
-            </a:extLst>
-          </p:cNvPr>
-          <p:cNvPicPr>
-            <a:picLocks noChangeAspect="1"/>
-          </p:cNvPicPr>
+          <p:cNvPr id="189" name="Google Shape;189;p4"/>
+          <p:cNvPicPr preferRelativeResize="0"/>
           <p:nvPr/>
         </p:nvPicPr>
-        <p:blipFill>
-          <a:blip r:embed="rId4"/>
-          <a:stretch>
-            <a:fillRect/>
-          </a:stretch>
+        <p:blipFill rotWithShape="1">
+          <a:blip r:embed="rId7">
+            <a:alphaModFix/>
+          </a:blip>
+          <a:srcRect/>
+          <a:stretch/>
         </p:blipFill>
         <p:spPr>
           <a:xfrm>
@@ -8599,149 +9945,93 @@
           <a:prstGeom prst="rect">
             <a:avLst/>
           </a:prstGeom>
+          <a:noFill/>
+          <a:ln>
+            <a:noFill/>
+          </a:ln>
         </p:spPr>
       </p:pic>
       <p:cxnSp>
         <p:nvCxnSpPr>
-          <p:cNvPr id="9" name="Straight Arrow Connector 8">
-            <a:extLst>
-              <a:ext uri="{FF2B5EF4-FFF2-40B4-BE49-F238E27FC236}">
-                <a16:creationId xmlns:a16="http://schemas.microsoft.com/office/drawing/2014/main" id="{8532B77E-CFE6-478A-8201-BA8E3102C0C4}"/>
-              </a:ext>
-            </a:extLst>
-          </p:cNvPr>
-          <p:cNvCxnSpPr>
-            <a:cxnSpLocks/>
-          </p:cNvCxnSpPr>
+          <p:cNvPr id="190" name="Google Shape;190;p4"/>
+          <p:cNvCxnSpPr/>
           <p:nvPr/>
         </p:nvCxnSpPr>
         <p:spPr>
-          <a:xfrm flipH="1">
+          <a:xfrm rot="10800000">
             <a:off x="1460197" y="1820490"/>
             <a:ext cx="628662" cy="0"/>
           </a:xfrm>
           <a:prstGeom prst="straightConnector1">
             <a:avLst/>
           </a:prstGeom>
-          <a:ln>
+          <a:noFill/>
+          <a:ln w="9525" cap="rnd" cmpd="sng">
             <a:solidFill>
               <a:srgbClr val="FF0000"/>
             </a:solidFill>
-            <a:tailEnd type="triangle"/>
+            <a:prstDash val="solid"/>
+            <a:round/>
+            <a:headEnd type="none" w="sm" len="sm"/>
+            <a:tailEnd type="triangle" w="med" len="med"/>
           </a:ln>
         </p:spPr>
-        <p:style>
-          <a:lnRef idx="1">
-            <a:schemeClr val="accent1"/>
-          </a:lnRef>
-          <a:fillRef idx="0">
-            <a:schemeClr val="accent1"/>
-          </a:fillRef>
-          <a:effectRef idx="0">
-            <a:schemeClr val="accent1"/>
-          </a:effectRef>
-          <a:fontRef idx="minor">
-            <a:schemeClr val="tx1"/>
-          </a:fontRef>
-        </p:style>
       </p:cxnSp>
       <p:cxnSp>
         <p:nvCxnSpPr>
-          <p:cNvPr id="11" name="Straight Arrow Connector 10">
-            <a:extLst>
-              <a:ext uri="{FF2B5EF4-FFF2-40B4-BE49-F238E27FC236}">
-                <a16:creationId xmlns:a16="http://schemas.microsoft.com/office/drawing/2014/main" id="{CB411968-8C79-4695-AA2A-01EB77DB759B}"/>
-              </a:ext>
-            </a:extLst>
-          </p:cNvPr>
-          <p:cNvCxnSpPr>
-            <a:cxnSpLocks/>
-          </p:cNvCxnSpPr>
+          <p:cNvPr id="191" name="Google Shape;191;p4"/>
+          <p:cNvCxnSpPr/>
           <p:nvPr/>
         </p:nvCxnSpPr>
         <p:spPr>
-          <a:xfrm flipH="1">
+          <a:xfrm rot="10800000">
             <a:off x="1460197" y="2107114"/>
             <a:ext cx="628662" cy="0"/>
           </a:xfrm>
           <a:prstGeom prst="straightConnector1">
             <a:avLst/>
           </a:prstGeom>
-          <a:ln>
+          <a:noFill/>
+          <a:ln w="9525" cap="rnd" cmpd="sng">
             <a:solidFill>
               <a:srgbClr val="00B050"/>
             </a:solidFill>
-            <a:tailEnd type="triangle"/>
+            <a:prstDash val="solid"/>
+            <a:round/>
+            <a:headEnd type="none" w="sm" len="sm"/>
+            <a:tailEnd type="triangle" w="med" len="med"/>
           </a:ln>
         </p:spPr>
-        <p:style>
-          <a:lnRef idx="1">
-            <a:schemeClr val="accent1"/>
-          </a:lnRef>
-          <a:fillRef idx="0">
-            <a:schemeClr val="accent1"/>
-          </a:fillRef>
-          <a:effectRef idx="0">
-            <a:schemeClr val="accent1"/>
-          </a:effectRef>
-          <a:fontRef idx="minor">
-            <a:schemeClr val="tx1"/>
-          </a:fontRef>
-        </p:style>
       </p:cxnSp>
       <p:cxnSp>
         <p:nvCxnSpPr>
-          <p:cNvPr id="12" name="Straight Arrow Connector 11">
-            <a:extLst>
-              <a:ext uri="{FF2B5EF4-FFF2-40B4-BE49-F238E27FC236}">
-                <a16:creationId xmlns:a16="http://schemas.microsoft.com/office/drawing/2014/main" id="{763C194A-1559-481B-8E11-5DB3E6DA79E8}"/>
-              </a:ext>
-            </a:extLst>
-          </p:cNvPr>
-          <p:cNvCxnSpPr>
-            <a:cxnSpLocks/>
-          </p:cNvCxnSpPr>
+          <p:cNvPr id="192" name="Google Shape;192;p4"/>
+          <p:cNvCxnSpPr/>
           <p:nvPr/>
         </p:nvCxnSpPr>
         <p:spPr>
-          <a:xfrm flipH="1">
+          <a:xfrm rot="10800000">
             <a:off x="1460197" y="2376959"/>
             <a:ext cx="628662" cy="0"/>
           </a:xfrm>
           <a:prstGeom prst="straightConnector1">
             <a:avLst/>
           </a:prstGeom>
-          <a:ln>
+          <a:noFill/>
+          <a:ln w="9525" cap="rnd" cmpd="sng">
             <a:solidFill>
               <a:srgbClr val="0070C0"/>
             </a:solidFill>
-            <a:tailEnd type="triangle"/>
+            <a:prstDash val="solid"/>
+            <a:round/>
+            <a:headEnd type="none" w="sm" len="sm"/>
+            <a:tailEnd type="triangle" w="med" len="med"/>
           </a:ln>
         </p:spPr>
-        <p:style>
-          <a:lnRef idx="1">
-            <a:schemeClr val="accent1"/>
-          </a:lnRef>
-          <a:fillRef idx="0">
-            <a:schemeClr val="accent1"/>
-          </a:fillRef>
-          <a:effectRef idx="0">
-            <a:schemeClr val="accent1"/>
-          </a:effectRef>
-          <a:fontRef idx="minor">
-            <a:schemeClr val="tx1"/>
-          </a:fontRef>
-        </p:style>
       </p:cxnSp>
       <p:sp>
         <p:nvSpPr>
-          <p:cNvPr id="14" name="TextBox 13">
-            <a:extLst>
-              <a:ext uri="{FF2B5EF4-FFF2-40B4-BE49-F238E27FC236}">
-                <a16:creationId xmlns:a16="http://schemas.microsoft.com/office/drawing/2014/main" id="{6CDA0C0D-8DD8-4EC2-84D3-FA03E117A67C}"/>
-              </a:ext>
-            </a:extLst>
-          </p:cNvPr>
+          <p:cNvPr id="193" name="Google Shape;193;p4"/>
           <p:cNvSpPr txBox="1"/>
           <p:nvPr/>
         </p:nvSpPr>
@@ -8754,30 +10044,44 @@
             <a:avLst/>
           </a:prstGeom>
           <a:noFill/>
+          <a:ln>
+            <a:noFill/>
+          </a:ln>
         </p:spPr>
         <p:txBody>
-          <a:bodyPr wrap="square" rtlCol="0">
+          <a:bodyPr spcFirstLastPara="1" wrap="square" lIns="91425" tIns="45700" rIns="91425" bIns="45700" anchor="t" anchorCtr="0">
             <a:spAutoFit/>
           </a:bodyPr>
           <a:lstStyle/>
           <a:p>
-            <a:pPr algn="ctr"/>
-            <a:r>
-              <a:rPr lang="en-US" sz="1000" i="1" dirty="0"/>
+            <a:pPr marL="0" marR="0" lvl="0" indent="0" algn="ctr" rtl="0">
+              <a:spcBef>
+                <a:spcPts val="0"/>
+              </a:spcBef>
+              <a:spcAft>
+                <a:spcPts val="0"/>
+              </a:spcAft>
+              <a:buNone/>
+            </a:pPr>
+            <a:r>
+              <a:rPr lang="en-US" sz="1000" b="0" i="1" u="none" strike="noStrike" cap="none">
+                <a:solidFill>
+                  <a:schemeClr val="dk1"/>
+                </a:solidFill>
+                <a:latin typeface="Century Gothic"/>
+                <a:ea typeface="Century Gothic"/>
+                <a:cs typeface="Century Gothic"/>
+                <a:sym typeface="Century Gothic"/>
+              </a:rPr>
               <a:t>Split between training/cross validation/test</a:t>
             </a:r>
-          </a:p>
-        </p:txBody>
-      </p:sp>
-      <p:sp>
-        <p:nvSpPr>
-          <p:cNvPr id="15" name="TextBox 14">
-            <a:extLst>
-              <a:ext uri="{FF2B5EF4-FFF2-40B4-BE49-F238E27FC236}">
-                <a16:creationId xmlns:a16="http://schemas.microsoft.com/office/drawing/2014/main" id="{5EB77EF2-4832-40A1-AC8D-F6645D04142A}"/>
-              </a:ext>
-            </a:extLst>
-          </p:cNvPr>
+            <a:endParaRPr/>
+          </a:p>
+        </p:txBody>
+      </p:sp>
+      <p:sp>
+        <p:nvSpPr>
+          <p:cNvPr id="194" name="Google Shape;194;p4"/>
           <p:cNvSpPr txBox="1"/>
           <p:nvPr/>
         </p:nvSpPr>
@@ -8790,33 +10094,44 @@
             <a:avLst/>
           </a:prstGeom>
           <a:noFill/>
+          <a:ln>
+            <a:noFill/>
+          </a:ln>
         </p:spPr>
         <p:txBody>
-          <a:bodyPr wrap="square" rtlCol="0">
+          <a:bodyPr spcFirstLastPara="1" wrap="square" lIns="91425" tIns="45700" rIns="91425" bIns="45700" anchor="t" anchorCtr="0">
             <a:spAutoFit/>
           </a:bodyPr>
           <a:lstStyle/>
           <a:p>
-            <a:r>
-              <a:rPr lang="en-US" sz="1000" i="1" dirty="0">
+            <a:pPr marL="0" marR="0" lvl="0" indent="0" algn="l" rtl="0">
+              <a:spcBef>
+                <a:spcPts val="0"/>
+              </a:spcBef>
+              <a:spcAft>
+                <a:spcPts val="0"/>
+              </a:spcAft>
+              <a:buNone/>
+            </a:pPr>
+            <a:r>
+              <a:rPr lang="en-US" sz="1000" b="0" i="1" u="none" strike="noStrike" cap="none">
                 <a:solidFill>
                   <a:srgbClr val="FF0000"/>
                 </a:solidFill>
+                <a:latin typeface="Century Gothic"/>
+                <a:ea typeface="Century Gothic"/>
+                <a:cs typeface="Century Gothic"/>
+                <a:sym typeface="Century Gothic"/>
               </a:rPr>
               <a:t>Train</a:t>
             </a:r>
-          </a:p>
-        </p:txBody>
-      </p:sp>
-      <p:sp>
-        <p:nvSpPr>
-          <p:cNvPr id="16" name="TextBox 15">
-            <a:extLst>
-              <a:ext uri="{FF2B5EF4-FFF2-40B4-BE49-F238E27FC236}">
-                <a16:creationId xmlns:a16="http://schemas.microsoft.com/office/drawing/2014/main" id="{166CA31B-07F8-45DF-9183-C5F0571EAC35}"/>
-              </a:ext>
-            </a:extLst>
-          </p:cNvPr>
+            <a:endParaRPr/>
+          </a:p>
+        </p:txBody>
+      </p:sp>
+      <p:sp>
+        <p:nvSpPr>
+          <p:cNvPr id="195" name="Google Shape;195;p4"/>
           <p:cNvSpPr txBox="1"/>
           <p:nvPr/>
         </p:nvSpPr>
@@ -8829,33 +10144,44 @@
             <a:avLst/>
           </a:prstGeom>
           <a:noFill/>
+          <a:ln>
+            <a:noFill/>
+          </a:ln>
         </p:spPr>
         <p:txBody>
-          <a:bodyPr wrap="square" rtlCol="0">
+          <a:bodyPr spcFirstLastPara="1" wrap="square" lIns="91425" tIns="45700" rIns="91425" bIns="45700" anchor="t" anchorCtr="0">
             <a:spAutoFit/>
           </a:bodyPr>
           <a:lstStyle/>
           <a:p>
-            <a:r>
-              <a:rPr lang="en-US" sz="1000" i="1" dirty="0">
+            <a:pPr marL="0" marR="0" lvl="0" indent="0" algn="l" rtl="0">
+              <a:spcBef>
+                <a:spcPts val="0"/>
+              </a:spcBef>
+              <a:spcAft>
+                <a:spcPts val="0"/>
+              </a:spcAft>
+              <a:buNone/>
+            </a:pPr>
+            <a:r>
+              <a:rPr lang="en-US" sz="1000" i="1">
                 <a:solidFill>
                   <a:srgbClr val="00B050"/>
                 </a:solidFill>
+                <a:latin typeface="Century Gothic"/>
+                <a:ea typeface="Century Gothic"/>
+                <a:cs typeface="Century Gothic"/>
+                <a:sym typeface="Century Gothic"/>
               </a:rPr>
               <a:t>Cross Validation</a:t>
             </a:r>
-          </a:p>
-        </p:txBody>
-      </p:sp>
-      <p:sp>
-        <p:nvSpPr>
-          <p:cNvPr id="17" name="TextBox 16">
-            <a:extLst>
-              <a:ext uri="{FF2B5EF4-FFF2-40B4-BE49-F238E27FC236}">
-                <a16:creationId xmlns:a16="http://schemas.microsoft.com/office/drawing/2014/main" id="{C1160D9B-B32E-4896-BDC6-725D661801CC}"/>
-              </a:ext>
-            </a:extLst>
-          </p:cNvPr>
+            <a:endParaRPr/>
+          </a:p>
+        </p:txBody>
+      </p:sp>
+      <p:sp>
+        <p:nvSpPr>
+          <p:cNvPr id="196" name="Google Shape;196;p4"/>
           <p:cNvSpPr txBox="1"/>
           <p:nvPr/>
         </p:nvSpPr>
@@ -8868,43 +10194,53 @@
             <a:avLst/>
           </a:prstGeom>
           <a:noFill/>
+          <a:ln>
+            <a:noFill/>
+          </a:ln>
         </p:spPr>
         <p:txBody>
-          <a:bodyPr wrap="square" rtlCol="0">
+          <a:bodyPr spcFirstLastPara="1" wrap="square" lIns="91425" tIns="45700" rIns="91425" bIns="45700" anchor="t" anchorCtr="0">
             <a:spAutoFit/>
           </a:bodyPr>
           <a:lstStyle/>
           <a:p>
-            <a:r>
-              <a:rPr lang="en-US" sz="1000" i="1" dirty="0">
+            <a:pPr marL="0" marR="0" lvl="0" indent="0" algn="l" rtl="0">
+              <a:spcBef>
+                <a:spcPts val="0"/>
+              </a:spcBef>
+              <a:spcAft>
+                <a:spcPts val="0"/>
+              </a:spcAft>
+              <a:buNone/>
+            </a:pPr>
+            <a:r>
+              <a:rPr lang="en-US" sz="1000" i="1">
                 <a:solidFill>
                   <a:srgbClr val="0070C0"/>
                 </a:solidFill>
+                <a:latin typeface="Century Gothic"/>
+                <a:ea typeface="Century Gothic"/>
+                <a:cs typeface="Century Gothic"/>
+                <a:sym typeface="Century Gothic"/>
               </a:rPr>
               <a:t>Test</a:t>
             </a:r>
+            <a:endParaRPr/>
           </a:p>
         </p:txBody>
       </p:sp>
       <p:pic>
         <p:nvPicPr>
-          <p:cNvPr id="19" name="Picture 18">
-            <a:extLst>
-              <a:ext uri="{FF2B5EF4-FFF2-40B4-BE49-F238E27FC236}">
-                <a16:creationId xmlns:a16="http://schemas.microsoft.com/office/drawing/2014/main" id="{89CBF0FD-C4E3-4791-AB75-45C69C041373}"/>
-              </a:ext>
-            </a:extLst>
-          </p:cNvPr>
-          <p:cNvPicPr>
-            <a:picLocks noChangeAspect="1"/>
-          </p:cNvPicPr>
+          <p:cNvPr id="197" name="Google Shape;197;p4"/>
+          <p:cNvPicPr preferRelativeResize="0"/>
           <p:nvPr/>
         </p:nvPicPr>
-        <p:blipFill>
-          <a:blip r:embed="rId5"/>
-          <a:stretch>
-            <a:fillRect/>
-          </a:stretch>
+        <p:blipFill rotWithShape="1">
+          <a:blip r:embed="rId8">
+            <a:alphaModFix/>
+          </a:blip>
+          <a:srcRect/>
+          <a:stretch/>
         </p:blipFill>
         <p:spPr>
           <a:xfrm>
@@ -8914,17 +10250,15 @@
           <a:prstGeom prst="rect">
             <a:avLst/>
           </a:prstGeom>
+          <a:noFill/>
+          <a:ln>
+            <a:noFill/>
+          </a:ln>
         </p:spPr>
       </p:pic>
       <p:sp>
         <p:nvSpPr>
-          <p:cNvPr id="20" name="TextBox 19">
-            <a:extLst>
-              <a:ext uri="{FF2B5EF4-FFF2-40B4-BE49-F238E27FC236}">
-                <a16:creationId xmlns:a16="http://schemas.microsoft.com/office/drawing/2014/main" id="{43B734A2-3B9C-4AEF-8361-B3663D5D91E5}"/>
-              </a:ext>
-            </a:extLst>
-          </p:cNvPr>
+          <p:cNvPr id="198" name="Google Shape;198;p4"/>
           <p:cNvSpPr txBox="1"/>
           <p:nvPr/>
         </p:nvSpPr>
@@ -8937,27 +10271,42 @@
             <a:avLst/>
           </a:prstGeom>
           <a:noFill/>
+          <a:ln>
+            <a:noFill/>
+          </a:ln>
         </p:spPr>
         <p:txBody>
-          <a:bodyPr wrap="square" rtlCol="0">
+          <a:bodyPr spcFirstLastPara="1" wrap="square" lIns="91425" tIns="45700" rIns="91425" bIns="45700" anchor="t" anchorCtr="0">
             <a:spAutoFit/>
           </a:bodyPr>
           <a:lstStyle/>
           <a:p>
-            <a:pPr algn="ctr"/>
-            <a:r>
-              <a:rPr lang="en-US" sz="1000" i="1" dirty="0"/>
+            <a:pPr marL="0" marR="0" lvl="0" indent="0" algn="ctr" rtl="0">
+              <a:spcBef>
+                <a:spcPts val="0"/>
+              </a:spcBef>
+              <a:spcAft>
+                <a:spcPts val="0"/>
+              </a:spcAft>
+              <a:buNone/>
+            </a:pPr>
+            <a:r>
+              <a:rPr lang="en-US" sz="1000" i="1">
+                <a:solidFill>
+                  <a:schemeClr val="dk1"/>
+                </a:solidFill>
+                <a:latin typeface="Century Gothic"/>
+                <a:ea typeface="Century Gothic"/>
+                <a:cs typeface="Century Gothic"/>
+                <a:sym typeface="Century Gothic"/>
+              </a:rPr>
               <a:t>Neural Network Architecture. Had to use dropout to prevent overfitting (we started without dropout). Batch normalization helped stabilized the weights.</a:t>
             </a:r>
+            <a:endParaRPr/>
           </a:p>
         </p:txBody>
       </p:sp>
     </p:spTree>
-    <p:extLst>
-      <p:ext uri="{BB962C8B-B14F-4D97-AF65-F5344CB8AC3E}">
-        <p14:creationId xmlns:p14="http://schemas.microsoft.com/office/powerpoint/2010/main" val="2912780986"/>
-      </p:ext>
-    </p:extLst>
   </p:cSld>
   <p:clrMapOvr>
     <a:masterClrMapping/>
@@ -9206,4 +10555,285 @@
     </a:ext>
   </a:extLst>
 </a:theme>
+</file>
+
+<file path=ppt/theme/theme2.xml><?xml version="1.0" encoding="utf-8"?>
+<a:theme xmlns:a="http://schemas.openxmlformats.org/drawingml/2006/main">
+  <a:themeElements>
+    <a:clrScheme name="Default">
+      <a:dk1>
+        <a:srgbClr val="000000"/>
+      </a:dk1>
+      <a:lt1>
+        <a:srgbClr val="FFFFFF"/>
+      </a:lt1>
+      <a:dk2>
+        <a:srgbClr val="158158"/>
+      </a:dk2>
+      <a:lt2>
+        <a:srgbClr val="F3F3F3"/>
+      </a:lt2>
+      <a:accent1>
+        <a:srgbClr val="058DC7"/>
+      </a:accent1>
+      <a:accent2>
+        <a:srgbClr val="50B432"/>
+      </a:accent2>
+      <a:accent3>
+        <a:srgbClr val="ED561B"/>
+      </a:accent3>
+      <a:accent4>
+        <a:srgbClr val="EDEF00"/>
+      </a:accent4>
+      <a:accent5>
+        <a:srgbClr val="24CBE5"/>
+      </a:accent5>
+      <a:accent6>
+        <a:srgbClr val="64E572"/>
+      </a:accent6>
+      <a:hlink>
+        <a:srgbClr val="2200CC"/>
+      </a:hlink>
+      <a:folHlink>
+        <a:srgbClr val="551A8B"/>
+      </a:folHlink>
+    </a:clrScheme>
+    <a:fontScheme name="Office">
+      <a:majorFont>
+        <a:latin typeface="Arial"/>
+        <a:ea typeface=""/>
+        <a:cs typeface=""/>
+        <a:font script="Jpan" typeface="ＭＳ Ｐゴシック"/>
+        <a:font script="Hang" typeface="맑은 고딕"/>
+        <a:font script="Hans" typeface="宋体"/>
+        <a:font script="Hant" typeface="新細明體"/>
+        <a:font script="Arab" typeface="Times New Roman"/>
+        <a:font script="Hebr" typeface="Times New Roman"/>
+        <a:font script="Thai" typeface="Angsana New"/>
+        <a:font script="Ethi" typeface="Nyala"/>
+        <a:font script="Beng" typeface="Vrinda"/>
+        <a:font script="Gujr" typeface="Shruti"/>
+        <a:font script="Khmr" typeface="MoolBoran"/>
+        <a:font script="Knda" typeface="Tunga"/>
+        <a:font script="Guru" typeface="Raavi"/>
+        <a:font script="Cans" typeface="Euphemia"/>
+        <a:font script="Cher" typeface="Plantagenet Cherokee"/>
+        <a:font script="Yiii" typeface="Microsoft Yi Baiti"/>
+        <a:font script="Tibt" typeface="Microsoft Himalaya"/>
+        <a:font script="Thaa" typeface="MV Boli"/>
+        <a:font script="Deva" typeface="Mangal"/>
+        <a:font script="Telu" typeface="Gautami"/>
+        <a:font script="Taml" typeface="Latha"/>
+        <a:font script="Syrc" typeface="Estrangelo Edessa"/>
+        <a:font script="Orya" typeface="Kalinga"/>
+        <a:font script="Mlym" typeface="Kartika"/>
+        <a:font script="Laoo" typeface="DokChampa"/>
+        <a:font script="Sinh" typeface="Iskoola Pota"/>
+        <a:font script="Mong" typeface="Mongolian Baiti"/>
+        <a:font script="Viet" typeface="Times New Roman"/>
+        <a:font script="Uigh" typeface="Microsoft Uighur"/>
+        <a:font script="Geor" typeface="Sylfaen"/>
+      </a:majorFont>
+      <a:minorFont>
+        <a:latin typeface="Arial"/>
+        <a:ea typeface=""/>
+        <a:cs typeface=""/>
+        <a:font script="Jpan" typeface="ＭＳ Ｐゴシック"/>
+        <a:font script="Hang" typeface="맑은 고딕"/>
+        <a:font script="Hans" typeface="宋体"/>
+        <a:font script="Hant" typeface="新細明體"/>
+        <a:font script="Arab" typeface="Arial"/>
+        <a:font script="Hebr" typeface="Arial"/>
+        <a:font script="Thai" typeface="Cordia New"/>
+        <a:font script="Ethi" typeface="Nyala"/>
+        <a:font script="Beng" typeface="Vrinda"/>
+        <a:font script="Gujr" typeface="Shruti"/>
+        <a:font script="Khmr" typeface="DaunPenh"/>
+        <a:font script="Knda" typeface="Tunga"/>
+        <a:font script="Guru" typeface="Raavi"/>
+        <a:font script="Cans" typeface="Euphemia"/>
+        <a:font script="Cher" typeface="Plantagenet Cherokee"/>
+        <a:font script="Yiii" typeface="Microsoft Yi Baiti"/>
+        <a:font script="Tibt" typeface="Microsoft Himalaya"/>
+        <a:font script="Thaa" typeface="MV Boli"/>
+        <a:font script="Deva" typeface="Mangal"/>
+        <a:font script="Telu" typeface="Gautami"/>
+        <a:font script="Taml" typeface="Latha"/>
+        <a:font script="Syrc" typeface="Estrangelo Edessa"/>
+        <a:font script="Orya" typeface="Kalinga"/>
+        <a:font script="Mlym" typeface="Kartika"/>
+        <a:font script="Laoo" typeface="DokChampa"/>
+        <a:font script="Sinh" typeface="Iskoola Pota"/>
+        <a:font script="Mong" typeface="Mongolian Baiti"/>
+        <a:font script="Viet" typeface="Arial"/>
+        <a:font script="Uigh" typeface="Microsoft Uighur"/>
+        <a:font script="Geor" typeface="Sylfaen"/>
+      </a:minorFont>
+    </a:fontScheme>
+    <a:fmtScheme name="Office">
+      <a:fillStyleLst>
+        <a:solidFill>
+          <a:schemeClr val="phClr"/>
+        </a:solidFill>
+        <a:gradFill rotWithShape="1">
+          <a:gsLst>
+            <a:gs pos="0">
+              <a:schemeClr val="phClr">
+                <a:tint val="50000"/>
+                <a:satMod val="300000"/>
+              </a:schemeClr>
+            </a:gs>
+            <a:gs pos="35000">
+              <a:schemeClr val="phClr">
+                <a:tint val="37000"/>
+                <a:satMod val="300000"/>
+              </a:schemeClr>
+            </a:gs>
+            <a:gs pos="100000">
+              <a:schemeClr val="phClr">
+                <a:tint val="15000"/>
+                <a:satMod val="350000"/>
+              </a:schemeClr>
+            </a:gs>
+          </a:gsLst>
+          <a:lin ang="16200000" scaled="1"/>
+        </a:gradFill>
+        <a:gradFill rotWithShape="1">
+          <a:gsLst>
+            <a:gs pos="0">
+              <a:schemeClr val="phClr">
+                <a:tint val="100000"/>
+                <a:shade val="100000"/>
+                <a:satMod val="130000"/>
+              </a:schemeClr>
+            </a:gs>
+            <a:gs pos="100000">
+              <a:schemeClr val="phClr">
+                <a:tint val="50000"/>
+                <a:shade val="100000"/>
+                <a:satMod val="350000"/>
+              </a:schemeClr>
+            </a:gs>
+          </a:gsLst>
+          <a:lin ang="16200000" scaled="0"/>
+        </a:gradFill>
+      </a:fillStyleLst>
+      <a:lnStyleLst>
+        <a:ln w="9525" cap="flat" cmpd="sng" algn="ctr">
+          <a:solidFill>
+            <a:schemeClr val="phClr">
+              <a:shade val="95000"/>
+              <a:satMod val="105000"/>
+            </a:schemeClr>
+          </a:solidFill>
+          <a:prstDash val="solid"/>
+        </a:ln>
+        <a:ln w="25400" cap="flat" cmpd="sng" algn="ctr">
+          <a:solidFill>
+            <a:schemeClr val="phClr"/>
+          </a:solidFill>
+          <a:prstDash val="solid"/>
+        </a:ln>
+        <a:ln w="38100" cap="flat" cmpd="sng" algn="ctr">
+          <a:solidFill>
+            <a:schemeClr val="phClr"/>
+          </a:solidFill>
+          <a:prstDash val="solid"/>
+        </a:ln>
+      </a:lnStyleLst>
+      <a:effectStyleLst>
+        <a:effectStyle>
+          <a:effectLst>
+            <a:outerShdw blurRad="40000" dist="20000" dir="5400000" rotWithShape="0">
+              <a:srgbClr val="000000">
+                <a:alpha val="38000"/>
+              </a:srgbClr>
+            </a:outerShdw>
+          </a:effectLst>
+        </a:effectStyle>
+        <a:effectStyle>
+          <a:effectLst>
+            <a:outerShdw blurRad="40000" dist="23000" dir="5400000" rotWithShape="0">
+              <a:srgbClr val="000000">
+                <a:alpha val="35000"/>
+              </a:srgbClr>
+            </a:outerShdw>
+          </a:effectLst>
+        </a:effectStyle>
+        <a:effectStyle>
+          <a:effectLst>
+            <a:outerShdw blurRad="40000" dist="23000" dir="5400000" rotWithShape="0">
+              <a:srgbClr val="000000">
+                <a:alpha val="35000"/>
+              </a:srgbClr>
+            </a:outerShdw>
+          </a:effectLst>
+          <a:scene3d>
+            <a:camera prst="orthographicFront">
+              <a:rot lat="0" lon="0" rev="0"/>
+            </a:camera>
+            <a:lightRig rig="threePt" dir="t">
+              <a:rot lat="0" lon="0" rev="1200000"/>
+            </a:lightRig>
+          </a:scene3d>
+          <a:sp3d>
+            <a:bevelT w="63500" h="25400"/>
+          </a:sp3d>
+        </a:effectStyle>
+      </a:effectStyleLst>
+      <a:bgFillStyleLst>
+        <a:solidFill>
+          <a:schemeClr val="phClr"/>
+        </a:solidFill>
+        <a:gradFill rotWithShape="1">
+          <a:gsLst>
+            <a:gs pos="0">
+              <a:schemeClr val="phClr">
+                <a:tint val="40000"/>
+                <a:satMod val="350000"/>
+              </a:schemeClr>
+            </a:gs>
+            <a:gs pos="40000">
+              <a:schemeClr val="phClr">
+                <a:tint val="45000"/>
+                <a:shade val="99000"/>
+                <a:satMod val="350000"/>
+              </a:schemeClr>
+            </a:gs>
+            <a:gs pos="100000">
+              <a:schemeClr val="phClr">
+                <a:shade val="20000"/>
+                <a:satMod val="255000"/>
+              </a:schemeClr>
+            </a:gs>
+          </a:gsLst>
+          <a:path path="circle">
+            <a:fillToRect l="50000" t="-80000" r="50000" b="180000"/>
+          </a:path>
+        </a:gradFill>
+        <a:gradFill rotWithShape="1">
+          <a:gsLst>
+            <a:gs pos="0">
+              <a:schemeClr val="phClr">
+                <a:tint val="80000"/>
+                <a:satMod val="300000"/>
+              </a:schemeClr>
+            </a:gs>
+            <a:gs pos="100000">
+              <a:schemeClr val="phClr">
+                <a:shade val="30000"/>
+                <a:satMod val="200000"/>
+              </a:schemeClr>
+            </a:gs>
+          </a:gsLst>
+          <a:path path="circle">
+            <a:fillToRect l="50000" t="50000" r="50000" b="50000"/>
+          </a:path>
+        </a:gradFill>
+      </a:bgFillStyleLst>
+    </a:fmtScheme>
+  </a:themeElements>
+  <a:objectDefaults/>
+  <a:extraClrSchemeLst/>
+</a:theme>
 </file>